--- a/documentation/work-file/P-P-040-AlexisDavidStefanRobustiano-web2.pptx
+++ b/documentation/work-file/P-P-040-AlexisDavidStefanRobustiano-web2.pptx
@@ -4,6 +4,9 @@
   <p:sldMasterIdLst>
     <p:sldMasterId id="2147483649" r:id="rId1"/>
   </p:sldMasterIdLst>
+  <p:notesMasterIdLst>
+    <p:notesMasterId r:id="rId18"/>
+  </p:notesMasterIdLst>
   <p:sldIdLst>
     <p:sldId id="256" r:id="rId2"/>
     <p:sldId id="257" r:id="rId3"/>
@@ -16,10 +19,11 @@
     <p:sldId id="272" r:id="rId10"/>
     <p:sldId id="273" r:id="rId11"/>
     <p:sldId id="269" r:id="rId12"/>
-    <p:sldId id="268" r:id="rId13"/>
-    <p:sldId id="270" r:id="rId14"/>
-    <p:sldId id="274" r:id="rId15"/>
-    <p:sldId id="271" r:id="rId16"/>
+    <p:sldId id="275" r:id="rId13"/>
+    <p:sldId id="268" r:id="rId14"/>
+    <p:sldId id="270" r:id="rId15"/>
+    <p:sldId id="274" r:id="rId16"/>
+    <p:sldId id="271" r:id="rId17"/>
   </p:sldIdLst>
   <p:sldSz cx="12192000" cy="6858000"/>
   <p:notesSz cx="6858000" cy="9144000"/>
@@ -1254,15 +1258,31 @@
             <a:defRPr cap="all"/>
           </a:pPr>
           <a:r>
-            <a:rPr lang="en-US"/>
-            <a:t>Problèmes rencontrés</a:t>
+            <a:rPr lang="en-US" dirty="0" err="1"/>
+            <a:t>Problèmes</a:t>
           </a:r>
+          <a:r>
+            <a:rPr lang="en-US" dirty="0"/>
+            <a:t> </a:t>
+          </a:r>
+          <a:r>
+            <a:rPr lang="en-US" dirty="0" err="1"/>
+            <a:t>rencontrés</a:t>
+          </a:r>
+          <a:endParaRPr lang="en-US" dirty="0"/>
         </a:p>
       </dgm:t>
     </dgm:pt>
     <dgm:pt modelId="{FB0552C7-B462-4EBF-A77C-673A8A9E4C41}" type="parTrans" cxnId="{774D3948-45BB-47B8-9A7D-1FCE554AD423}">
       <dgm:prSet/>
       <dgm:spPr/>
+      <dgm:t>
+        <a:bodyPr/>
+        <a:lstStyle/>
+        <a:p>
+          <a:endParaRPr lang="fr-FR"/>
+        </a:p>
+      </dgm:t>
     </dgm:pt>
     <dgm:pt modelId="{ABFBBF0F-4B9C-405E-81E2-96A05B6BC617}" type="sibTrans" cxnId="{774D3948-45BB-47B8-9A7D-1FCE554AD423}">
       <dgm:prSet/>
@@ -1283,6 +1303,13 @@
         </dgm:presLayoutVars>
       </dgm:prSet>
       <dgm:spPr/>
+      <dgm:t>
+        <a:bodyPr/>
+        <a:lstStyle/>
+        <a:p>
+          <a:endParaRPr lang="fr-FR"/>
+        </a:p>
+      </dgm:t>
     </dgm:pt>
     <dgm:pt modelId="{7500704C-3EEF-447A-8B82-AF01F4F874A7}" type="pres">
       <dgm:prSet presAssocID="{311BE078-7080-4005-8C3E-04A15AF562FC}" presName="compNode" presStyleCnt="0"/>
@@ -1296,13 +1323,13 @@
       <dgm:prSet presAssocID="{311BE078-7080-4005-8C3E-04A15AF562FC}" presName="iconRect" presStyleLbl="node1" presStyleIdx="0" presStyleCnt="5"/>
       <dgm:spPr>
         <a:blipFill>
-          <a:blip xmlns:r="http://schemas.openxmlformats.org/officeDocument/2006/relationships" r:embed="rId1">
+          <a:blip xmlns:r="http://schemas.openxmlformats.org/officeDocument/2006/relationships" r:embed="rId1" cstate="print">
             <a:extLst>
               <a:ext uri="{28A0092B-C50C-407E-A947-70E740481C1C}">
                 <a14:useLocalDpi xmlns:a14="http://schemas.microsoft.com/office/drawing/2010/main" val="0"/>
               </a:ext>
               <a:ext uri="{96DAC541-7B7A-43D3-8B79-37D633B846F1}">
-                <asvg:svgBlip xmlns:asvg="http://schemas.microsoft.com/office/drawing/2016/SVG/main" r:embed="rId2"/>
+                <asvg:svgBlip xmlns:asvg="http://schemas.microsoft.com/office/drawing/2016/SVG/main" xmlns="" r:embed="rId2"/>
               </a:ext>
             </a:extLst>
           </a:blip>
@@ -1314,6 +1341,13 @@
           <a:noFill/>
         </a:ln>
       </dgm:spPr>
+      <dgm:t>
+        <a:bodyPr/>
+        <a:lstStyle/>
+        <a:p>
+          <a:endParaRPr lang="fr-FR"/>
+        </a:p>
+      </dgm:t>
       <dgm:extLst>
         <a:ext uri="{E40237B7-FDA0-4F09-8148-C483321AD2D9}">
           <dgm14:cNvPr xmlns:dgm14="http://schemas.microsoft.com/office/drawing/2010/diagram" id="0" name="" descr="Hiérarchie"/>
@@ -1332,6 +1366,13 @@
         </dgm:presLayoutVars>
       </dgm:prSet>
       <dgm:spPr/>
+      <dgm:t>
+        <a:bodyPr/>
+        <a:lstStyle/>
+        <a:p>
+          <a:endParaRPr lang="fr-FR"/>
+        </a:p>
+      </dgm:t>
     </dgm:pt>
     <dgm:pt modelId="{D1960A19-15D4-4C69-9A02-2AEBB2430836}" type="pres">
       <dgm:prSet presAssocID="{E1E78F64-6F13-40C7-BCA3-B9B7195601CC}" presName="sibTrans" presStyleCnt="0"/>
@@ -1349,13 +1390,13 @@
       <dgm:prSet presAssocID="{598CC0AD-93F6-4A12-9E97-CADF30F8200E}" presName="iconRect" presStyleLbl="node1" presStyleIdx="1" presStyleCnt="5"/>
       <dgm:spPr>
         <a:blipFill>
-          <a:blip xmlns:r="http://schemas.openxmlformats.org/officeDocument/2006/relationships" r:embed="rId3">
+          <a:blip xmlns:r="http://schemas.openxmlformats.org/officeDocument/2006/relationships" r:embed="rId3" cstate="print">
             <a:extLst>
               <a:ext uri="{28A0092B-C50C-407E-A947-70E740481C1C}">
                 <a14:useLocalDpi xmlns:a14="http://schemas.microsoft.com/office/drawing/2010/main" val="0"/>
               </a:ext>
               <a:ext uri="{96DAC541-7B7A-43D3-8B79-37D633B846F1}">
-                <asvg:svgBlip xmlns:asvg="http://schemas.microsoft.com/office/drawing/2016/SVG/main" r:embed="rId4"/>
+                <asvg:svgBlip xmlns:asvg="http://schemas.microsoft.com/office/drawing/2016/SVG/main" xmlns="" r:embed="rId4"/>
               </a:ext>
             </a:extLst>
           </a:blip>
@@ -1367,6 +1408,13 @@
           <a:noFill/>
         </a:ln>
       </dgm:spPr>
+      <dgm:t>
+        <a:bodyPr/>
+        <a:lstStyle/>
+        <a:p>
+          <a:endParaRPr lang="fr-FR"/>
+        </a:p>
+      </dgm:t>
       <dgm:extLst>
         <a:ext uri="{E40237B7-FDA0-4F09-8148-C483321AD2D9}">
           <dgm14:cNvPr xmlns:dgm14="http://schemas.microsoft.com/office/drawing/2010/diagram" id="0" name="" descr="Statistiques"/>
@@ -1385,6 +1433,13 @@
         </dgm:presLayoutVars>
       </dgm:prSet>
       <dgm:spPr/>
+      <dgm:t>
+        <a:bodyPr/>
+        <a:lstStyle/>
+        <a:p>
+          <a:endParaRPr lang="fr-FR"/>
+        </a:p>
+      </dgm:t>
     </dgm:pt>
     <dgm:pt modelId="{088D9F0B-9A07-410A-93B4-E3F095B9571D}" type="pres">
       <dgm:prSet presAssocID="{6AD19705-B323-4459-AB90-CA21B1C5C70A}" presName="sibTrans" presStyleCnt="0"/>
@@ -1402,13 +1457,13 @@
       <dgm:prSet presAssocID="{5CB4E955-E56A-4CC5-8744-02E795BE4225}" presName="iconRect" presStyleLbl="node1" presStyleIdx="2" presStyleCnt="5"/>
       <dgm:spPr>
         <a:blipFill>
-          <a:blip xmlns:r="http://schemas.openxmlformats.org/officeDocument/2006/relationships" r:embed="rId5">
+          <a:blip xmlns:r="http://schemas.openxmlformats.org/officeDocument/2006/relationships" r:embed="rId5" cstate="print">
             <a:extLst>
               <a:ext uri="{28A0092B-C50C-407E-A947-70E740481C1C}">
                 <a14:useLocalDpi xmlns:a14="http://schemas.microsoft.com/office/drawing/2010/main" val="0"/>
               </a:ext>
               <a:ext uri="{96DAC541-7B7A-43D3-8B79-37D633B846F1}">
-                <asvg:svgBlip xmlns:asvg="http://schemas.microsoft.com/office/drawing/2016/SVG/main" r:embed="rId6"/>
+                <asvg:svgBlip xmlns:asvg="http://schemas.microsoft.com/office/drawing/2016/SVG/main" xmlns="" r:embed="rId6"/>
               </a:ext>
             </a:extLst>
           </a:blip>
@@ -1420,6 +1475,13 @@
           <a:noFill/>
         </a:ln>
       </dgm:spPr>
+      <dgm:t>
+        <a:bodyPr/>
+        <a:lstStyle/>
+        <a:p>
+          <a:endParaRPr lang="fr-FR"/>
+        </a:p>
+      </dgm:t>
       <dgm:extLst>
         <a:ext uri="{E40237B7-FDA0-4F09-8148-C483321AD2D9}">
           <dgm14:cNvPr xmlns:dgm14="http://schemas.microsoft.com/office/drawing/2010/diagram" id="0" name="" descr="Engrenages"/>
@@ -1438,6 +1500,13 @@
         </dgm:presLayoutVars>
       </dgm:prSet>
       <dgm:spPr/>
+      <dgm:t>
+        <a:bodyPr/>
+        <a:lstStyle/>
+        <a:p>
+          <a:endParaRPr lang="fr-FR"/>
+        </a:p>
+      </dgm:t>
     </dgm:pt>
     <dgm:pt modelId="{DAE7DACE-FC8A-428B-9C29-437E6EFC59BF}" type="pres">
       <dgm:prSet presAssocID="{CA27E663-0812-4BDC-BEEF-277E3D788B69}" presName="sibTrans" presStyleCnt="0"/>
@@ -1455,13 +1524,13 @@
       <dgm:prSet presAssocID="{C0C83F13-AC11-4950-BE46-DEDC31628EB7}" presName="iconRect" presStyleLbl="node1" presStyleIdx="3" presStyleCnt="5"/>
       <dgm:spPr>
         <a:blipFill>
-          <a:blip xmlns:r="http://schemas.openxmlformats.org/officeDocument/2006/relationships" r:embed="rId7">
+          <a:blip xmlns:r="http://schemas.openxmlformats.org/officeDocument/2006/relationships" r:embed="rId7" cstate="print">
             <a:extLst>
               <a:ext uri="{28A0092B-C50C-407E-A947-70E740481C1C}">
                 <a14:useLocalDpi xmlns:a14="http://schemas.microsoft.com/office/drawing/2010/main" val="0"/>
               </a:ext>
               <a:ext uri="{96DAC541-7B7A-43D3-8B79-37D633B846F1}">
-                <asvg:svgBlip xmlns:asvg="http://schemas.microsoft.com/office/drawing/2016/SVG/main" r:embed="rId8"/>
+                <asvg:svgBlip xmlns:asvg="http://schemas.microsoft.com/office/drawing/2016/SVG/main" xmlns="" r:embed="rId8"/>
               </a:ext>
             </a:extLst>
           </a:blip>
@@ -1473,6 +1542,13 @@
           <a:noFill/>
         </a:ln>
       </dgm:spPr>
+      <dgm:t>
+        <a:bodyPr/>
+        <a:lstStyle/>
+        <a:p>
+          <a:endParaRPr lang="fr-FR"/>
+        </a:p>
+      </dgm:t>
       <dgm:extLst>
         <a:ext uri="{E40237B7-FDA0-4F09-8148-C483321AD2D9}">
           <dgm14:cNvPr xmlns:dgm14="http://schemas.microsoft.com/office/drawing/2010/diagram" id="0" name="" descr="Coche"/>
@@ -1484,13 +1560,20 @@
       <dgm:spPr/>
     </dgm:pt>
     <dgm:pt modelId="{A1DABCEC-D82B-4678-96B4-76E07D9BDFDF}" type="pres">
-      <dgm:prSet presAssocID="{C0C83F13-AC11-4950-BE46-DEDC31628EB7}" presName="textRect" presStyleLbl="revTx" presStyleIdx="3" presStyleCnt="5">
+      <dgm:prSet presAssocID="{C0C83F13-AC11-4950-BE46-DEDC31628EB7}" presName="textRect" presStyleLbl="revTx" presStyleIdx="3" presStyleCnt="5" custScaleX="109528">
         <dgm:presLayoutVars>
           <dgm:chMax val="1"/>
           <dgm:chPref val="1"/>
         </dgm:presLayoutVars>
       </dgm:prSet>
       <dgm:spPr/>
+      <dgm:t>
+        <a:bodyPr/>
+        <a:lstStyle/>
+        <a:p>
+          <a:endParaRPr lang="fr-FR"/>
+        </a:p>
+      </dgm:t>
     </dgm:pt>
     <dgm:pt modelId="{4BD162E6-2166-4D25-A38C-976B377BB1BA}" type="pres">
       <dgm:prSet presAssocID="{ABFBBF0F-4B9C-405E-81E2-96A05B6BC617}" presName="sibTrans" presStyleCnt="0"/>
@@ -1508,13 +1591,13 @@
       <dgm:prSet presAssocID="{6C7C8F23-97EC-4D4D-9CFD-10D054FB3430}" presName="iconRect" presStyleLbl="node1" presStyleIdx="4" presStyleCnt="5"/>
       <dgm:spPr>
         <a:blipFill>
-          <a:blip xmlns:r="http://schemas.openxmlformats.org/officeDocument/2006/relationships" r:embed="rId9">
+          <a:blip xmlns:r="http://schemas.openxmlformats.org/officeDocument/2006/relationships" r:embed="rId9" cstate="print">
             <a:extLst>
               <a:ext uri="{28A0092B-C50C-407E-A947-70E740481C1C}">
                 <a14:useLocalDpi xmlns:a14="http://schemas.microsoft.com/office/drawing/2010/main" val="0"/>
               </a:ext>
               <a:ext uri="{96DAC541-7B7A-43D3-8B79-37D633B846F1}">
-                <asvg:svgBlip xmlns:asvg="http://schemas.microsoft.com/office/drawing/2016/SVG/main" r:embed="rId10"/>
+                <asvg:svgBlip xmlns:asvg="http://schemas.microsoft.com/office/drawing/2016/SVG/main" xmlns="" r:embed="rId10"/>
               </a:ext>
             </a:extLst>
           </a:blip>
@@ -1526,6 +1609,13 @@
           <a:noFill/>
         </a:ln>
       </dgm:spPr>
+      <dgm:t>
+        <a:bodyPr/>
+        <a:lstStyle/>
+        <a:p>
+          <a:endParaRPr lang="fr-FR"/>
+        </a:p>
+      </dgm:t>
       <dgm:extLst>
         <a:ext uri="{E40237B7-FDA0-4F09-8148-C483321AD2D9}">
           <dgm14:cNvPr xmlns:dgm14="http://schemas.microsoft.com/office/drawing/2010/diagram" id="0" name="" descr="Avertissement"/>
@@ -1544,20 +1634,27 @@
         </dgm:presLayoutVars>
       </dgm:prSet>
       <dgm:spPr/>
+      <dgm:t>
+        <a:bodyPr/>
+        <a:lstStyle/>
+        <a:p>
+          <a:endParaRPr lang="fr-FR"/>
+        </a:p>
+      </dgm:t>
     </dgm:pt>
   </dgm:ptLst>
   <dgm:cxnLst>
+    <dgm:cxn modelId="{E66C67EE-DFA3-43DA-BFCD-E8AFC230DFE5}" srcId="{83303BD0-66EF-4032-A98B-5D58E96E4E21}" destId="{5CB4E955-E56A-4CC5-8744-02E795BE4225}" srcOrd="2" destOrd="0" parTransId="{03D48D09-BEDD-40FB-9964-1964B455593B}" sibTransId="{CA27E663-0812-4BDC-BEEF-277E3D788B69}"/>
+    <dgm:cxn modelId="{BFA401E6-1623-49EE-8D08-BEDD073EC1AA}" srcId="{83303BD0-66EF-4032-A98B-5D58E96E4E21}" destId="{311BE078-7080-4005-8C3E-04A15AF562FC}" srcOrd="0" destOrd="0" parTransId="{A9129CCC-84D6-4B26-8059-FAC39AD3D6A3}" sibTransId="{E1E78F64-6F13-40C7-BCA3-B9B7195601CC}"/>
+    <dgm:cxn modelId="{774D3948-45BB-47B8-9A7D-1FCE554AD423}" srcId="{83303BD0-66EF-4032-A98B-5D58E96E4E21}" destId="{C0C83F13-AC11-4950-BE46-DEDC31628EB7}" srcOrd="3" destOrd="0" parTransId="{FB0552C7-B462-4EBF-A77C-673A8A9E4C41}" sibTransId="{ABFBBF0F-4B9C-405E-81E2-96A05B6BC617}"/>
+    <dgm:cxn modelId="{82A1A986-7065-4572-9E13-8731AC59AAE3}" type="presOf" srcId="{5CB4E955-E56A-4CC5-8744-02E795BE4225}" destId="{C8A55027-B2A5-4A40-807C-79820291831B}" srcOrd="0" destOrd="0" presId="urn:microsoft.com/office/officeart/2018/5/layout/IconCircleLabelList"/>
+    <dgm:cxn modelId="{04D1196E-0A63-4284-9492-A6A1B4DEB56A}" type="presOf" srcId="{C0C83F13-AC11-4950-BE46-DEDC31628EB7}" destId="{A1DABCEC-D82B-4678-96B4-76E07D9BDFDF}" srcOrd="0" destOrd="0" presId="urn:microsoft.com/office/officeart/2018/5/layout/IconCircleLabelList"/>
+    <dgm:cxn modelId="{57FE1141-1E86-4640-B0E1-BA5D86EA29AC}" type="presOf" srcId="{598CC0AD-93F6-4A12-9E97-CADF30F8200E}" destId="{B425C220-3CA6-44D0-BE2F-86934620C95D}" srcOrd="0" destOrd="0" presId="urn:microsoft.com/office/officeart/2018/5/layout/IconCircleLabelList"/>
     <dgm:cxn modelId="{27F7D213-5D57-4A3E-8FA6-DF4379D0A911}" srcId="{83303BD0-66EF-4032-A98B-5D58E96E4E21}" destId="{6C7C8F23-97EC-4D4D-9CFD-10D054FB3430}" srcOrd="4" destOrd="0" parTransId="{56A55CC8-429C-428C-BA1E-73D894C172A1}" sibTransId="{7FFD7B50-9905-497A-9069-F46C156AAA7E}"/>
+    <dgm:cxn modelId="{AEAEB3FE-02E4-4F78-9C98-A8A9EAF553CA}" type="presOf" srcId="{311BE078-7080-4005-8C3E-04A15AF562FC}" destId="{3DF61C29-578B-4107-80A2-1E443C1E0645}" srcOrd="0" destOrd="0" presId="urn:microsoft.com/office/officeart/2018/5/layout/IconCircleLabelList"/>
+    <dgm:cxn modelId="{760D6AC1-D76B-4AAB-BA3A-7F342085855B}" srcId="{83303BD0-66EF-4032-A98B-5D58E96E4E21}" destId="{598CC0AD-93F6-4A12-9E97-CADF30F8200E}" srcOrd="1" destOrd="0" parTransId="{A929ABC4-C2B6-4754-B595-857D21816BA4}" sibTransId="{6AD19705-B323-4459-AB90-CA21B1C5C70A}"/>
     <dgm:cxn modelId="{6B6B1E33-8460-4322-A352-70207E6DA9C6}" type="presOf" srcId="{6C7C8F23-97EC-4D4D-9CFD-10D054FB3430}" destId="{02F64C99-ECBE-4FBB-85D7-7318279C29F0}" srcOrd="0" destOrd="0" presId="urn:microsoft.com/office/officeart/2018/5/layout/IconCircleLabelList"/>
-    <dgm:cxn modelId="{57FE1141-1E86-4640-B0E1-BA5D86EA29AC}" type="presOf" srcId="{598CC0AD-93F6-4A12-9E97-CADF30F8200E}" destId="{B425C220-3CA6-44D0-BE2F-86934620C95D}" srcOrd="0" destOrd="0" presId="urn:microsoft.com/office/officeart/2018/5/layout/IconCircleLabelList"/>
-    <dgm:cxn modelId="{774D3948-45BB-47B8-9A7D-1FCE554AD423}" srcId="{83303BD0-66EF-4032-A98B-5D58E96E4E21}" destId="{C0C83F13-AC11-4950-BE46-DEDC31628EB7}" srcOrd="3" destOrd="0" parTransId="{FB0552C7-B462-4EBF-A77C-673A8A9E4C41}" sibTransId="{ABFBBF0F-4B9C-405E-81E2-96A05B6BC617}"/>
-    <dgm:cxn modelId="{04D1196E-0A63-4284-9492-A6A1B4DEB56A}" type="presOf" srcId="{C0C83F13-AC11-4950-BE46-DEDC31628EB7}" destId="{A1DABCEC-D82B-4678-96B4-76E07D9BDFDF}" srcOrd="0" destOrd="0" presId="urn:microsoft.com/office/officeart/2018/5/layout/IconCircleLabelList"/>
-    <dgm:cxn modelId="{82A1A986-7065-4572-9E13-8731AC59AAE3}" type="presOf" srcId="{5CB4E955-E56A-4CC5-8744-02E795BE4225}" destId="{C8A55027-B2A5-4A40-807C-79820291831B}" srcOrd="0" destOrd="0" presId="urn:microsoft.com/office/officeart/2018/5/layout/IconCircleLabelList"/>
     <dgm:cxn modelId="{94940C89-9DE0-4E8C-8881-22B1A36B0AAB}" type="presOf" srcId="{83303BD0-66EF-4032-A98B-5D58E96E4E21}" destId="{A038ED11-F61A-4F6D-A27A-2753289C4F8A}" srcOrd="0" destOrd="0" presId="urn:microsoft.com/office/officeart/2018/5/layout/IconCircleLabelList"/>
-    <dgm:cxn modelId="{760D6AC1-D76B-4AAB-BA3A-7F342085855B}" srcId="{83303BD0-66EF-4032-A98B-5D58E96E4E21}" destId="{598CC0AD-93F6-4A12-9E97-CADF30F8200E}" srcOrd="1" destOrd="0" parTransId="{A929ABC4-C2B6-4754-B595-857D21816BA4}" sibTransId="{6AD19705-B323-4459-AB90-CA21B1C5C70A}"/>
-    <dgm:cxn modelId="{BFA401E6-1623-49EE-8D08-BEDD073EC1AA}" srcId="{83303BD0-66EF-4032-A98B-5D58E96E4E21}" destId="{311BE078-7080-4005-8C3E-04A15AF562FC}" srcOrd="0" destOrd="0" parTransId="{A9129CCC-84D6-4B26-8059-FAC39AD3D6A3}" sibTransId="{E1E78F64-6F13-40C7-BCA3-B9B7195601CC}"/>
-    <dgm:cxn modelId="{E66C67EE-DFA3-43DA-BFCD-E8AFC230DFE5}" srcId="{83303BD0-66EF-4032-A98B-5D58E96E4E21}" destId="{5CB4E955-E56A-4CC5-8744-02E795BE4225}" srcOrd="2" destOrd="0" parTransId="{03D48D09-BEDD-40FB-9964-1964B455593B}" sibTransId="{CA27E663-0812-4BDC-BEEF-277E3D788B69}"/>
-    <dgm:cxn modelId="{AEAEB3FE-02E4-4F78-9C98-A8A9EAF553CA}" type="presOf" srcId="{311BE078-7080-4005-8C3E-04A15AF562FC}" destId="{3DF61C29-578B-4107-80A2-1E443C1E0645}" srcOrd="0" destOrd="0" presId="urn:microsoft.com/office/officeart/2018/5/layout/IconCircleLabelList"/>
     <dgm:cxn modelId="{B3473704-65F7-4CA9-9228-7F20554D0FAF}" type="presParOf" srcId="{A038ED11-F61A-4F6D-A27A-2753289C4F8A}" destId="{7500704C-3EEF-447A-8B82-AF01F4F874A7}" srcOrd="0" destOrd="0" presId="urn:microsoft.com/office/officeart/2018/5/layout/IconCircleLabelList"/>
     <dgm:cxn modelId="{F4C0E8CB-C8A3-4E2E-BBAE-354980A7F0FE}" type="presParOf" srcId="{7500704C-3EEF-447A-8B82-AF01F4F874A7}" destId="{29028B42-27A3-406C-8958-121F7B0E9F4E}" srcOrd="0" destOrd="0" presId="urn:microsoft.com/office/officeart/2018/5/layout/IconCircleLabelList"/>
     <dgm:cxn modelId="{53684266-1BBF-4D25-97F4-A2B021C6469B}" type="presParOf" srcId="{7500704C-3EEF-447A-8B82-AF01F4F874A7}" destId="{040D9993-CD13-4690-A36C-56BE97BEBD3D}" srcOrd="1" destOrd="0" presId="urn:microsoft.com/office/officeart/2018/5/layout/IconCircleLabelList"/>
@@ -1613,7 +1710,7 @@
       </dsp:nvSpPr>
       <dsp:spPr>
         <a:xfrm>
-          <a:off x="478800" y="1095669"/>
+          <a:off x="393048" y="1095669"/>
           <a:ext cx="1098000" cy="1098000"/>
         </a:xfrm>
         <a:prstGeom prst="ellipse">
@@ -1652,20 +1749,20 @@
       </dsp:nvSpPr>
       <dsp:spPr>
         <a:xfrm>
-          <a:off x="712800" y="1329669"/>
+          <a:off x="627048" y="1329669"/>
           <a:ext cx="630000" cy="630000"/>
         </a:xfrm>
         <a:prstGeom prst="rect">
           <a:avLst/>
         </a:prstGeom>
         <a:blipFill>
-          <a:blip xmlns:r="http://schemas.openxmlformats.org/officeDocument/2006/relationships" r:embed="rId1">
+          <a:blip xmlns:r="http://schemas.openxmlformats.org/officeDocument/2006/relationships" r:embed="rId1" cstate="print">
             <a:extLst>
               <a:ext uri="{28A0092B-C50C-407E-A947-70E740481C1C}">
                 <a14:useLocalDpi xmlns:a14="http://schemas.microsoft.com/office/drawing/2010/main" val="0"/>
               </a:ext>
               <a:ext uri="{96DAC541-7B7A-43D3-8B79-37D633B846F1}">
-                <asvg:svgBlip xmlns:asvg="http://schemas.microsoft.com/office/drawing/2016/SVG/main" r:embed="rId2"/>
+                <asvg:svgBlip xmlns:asvg="http://schemas.microsoft.com/office/drawing/2016/SVG/main" xmlns="" r:embed="rId2"/>
               </a:ext>
             </a:extLst>
           </a:blip>
@@ -1702,7 +1799,7 @@
       </dsp:nvSpPr>
       <dsp:spPr>
         <a:xfrm>
-          <a:off x="127800" y="2535669"/>
+          <a:off x="42048" y="2535669"/>
           <a:ext cx="1800000" cy="720000"/>
         </a:xfrm>
         <a:prstGeom prst="rect">
@@ -1732,7 +1829,7 @@
         </a:bodyPr>
         <a:lstStyle/>
         <a:p>
-          <a:pPr marL="0" lvl="0" indent="0" algn="ctr" defTabSz="488950">
+          <a:pPr lvl="0" algn="ctr" defTabSz="488950">
             <a:lnSpc>
               <a:spcPct val="100000"/>
             </a:lnSpc>
@@ -1742,7 +1839,6 @@
             <a:spcAft>
               <a:spcPct val="35000"/>
             </a:spcAft>
-            <a:buNone/>
             <a:defRPr cap="all"/>
           </a:pPr>
           <a:r>
@@ -1752,7 +1848,7 @@
         </a:p>
       </dsp:txBody>
       <dsp:txXfrm>
-        <a:off x="127800" y="2535669"/>
+        <a:off x="42048" y="2535669"/>
         <a:ext cx="1800000" cy="720000"/>
       </dsp:txXfrm>
     </dsp:sp>
@@ -1763,7 +1859,7 @@
       </dsp:nvSpPr>
       <dsp:spPr>
         <a:xfrm>
-          <a:off x="2593800" y="1095669"/>
+          <a:off x="2508048" y="1095669"/>
           <a:ext cx="1098000" cy="1098000"/>
         </a:xfrm>
         <a:prstGeom prst="ellipse">
@@ -1802,20 +1898,20 @@
       </dsp:nvSpPr>
       <dsp:spPr>
         <a:xfrm>
-          <a:off x="2827800" y="1329668"/>
+          <a:off x="2742048" y="1329668"/>
           <a:ext cx="630000" cy="630000"/>
         </a:xfrm>
         <a:prstGeom prst="rect">
           <a:avLst/>
         </a:prstGeom>
         <a:blipFill>
-          <a:blip xmlns:r="http://schemas.openxmlformats.org/officeDocument/2006/relationships" r:embed="rId3">
+          <a:blip xmlns:r="http://schemas.openxmlformats.org/officeDocument/2006/relationships" r:embed="rId3" cstate="print">
             <a:extLst>
               <a:ext uri="{28A0092B-C50C-407E-A947-70E740481C1C}">
                 <a14:useLocalDpi xmlns:a14="http://schemas.microsoft.com/office/drawing/2010/main" val="0"/>
               </a:ext>
               <a:ext uri="{96DAC541-7B7A-43D3-8B79-37D633B846F1}">
-                <asvg:svgBlip xmlns:asvg="http://schemas.microsoft.com/office/drawing/2016/SVG/main" r:embed="rId4"/>
+                <asvg:svgBlip xmlns:asvg="http://schemas.microsoft.com/office/drawing/2016/SVG/main" xmlns="" r:embed="rId4"/>
               </a:ext>
             </a:extLst>
           </a:blip>
@@ -1852,7 +1948,7 @@
       </dsp:nvSpPr>
       <dsp:spPr>
         <a:xfrm>
-          <a:off x="2242800" y="2535669"/>
+          <a:off x="2157048" y="2535669"/>
           <a:ext cx="1800000" cy="720000"/>
         </a:xfrm>
         <a:prstGeom prst="rect">
@@ -1882,7 +1978,7 @@
         </a:bodyPr>
         <a:lstStyle/>
         <a:p>
-          <a:pPr marL="0" lvl="0" indent="0" algn="ctr" defTabSz="488950">
+          <a:pPr lvl="0" algn="ctr" defTabSz="488950">
             <a:lnSpc>
               <a:spcPct val="100000"/>
             </a:lnSpc>
@@ -1892,7 +1988,6 @@
             <a:spcAft>
               <a:spcPct val="35000"/>
             </a:spcAft>
-            <a:buNone/>
             <a:defRPr cap="all"/>
           </a:pPr>
           <a:r>
@@ -1902,7 +1997,7 @@
         </a:p>
       </dsp:txBody>
       <dsp:txXfrm>
-        <a:off x="2242800" y="2535669"/>
+        <a:off x="2157048" y="2535669"/>
         <a:ext cx="1800000" cy="720000"/>
       </dsp:txXfrm>
     </dsp:sp>
@@ -1913,7 +2008,7 @@
       </dsp:nvSpPr>
       <dsp:spPr>
         <a:xfrm>
-          <a:off x="4708800" y="1095669"/>
+          <a:off x="4623048" y="1095669"/>
           <a:ext cx="1098000" cy="1098000"/>
         </a:xfrm>
         <a:prstGeom prst="ellipse">
@@ -1952,20 +2047,20 @@
       </dsp:nvSpPr>
       <dsp:spPr>
         <a:xfrm>
-          <a:off x="4942800" y="1329668"/>
+          <a:off x="4857048" y="1329668"/>
           <a:ext cx="630000" cy="630000"/>
         </a:xfrm>
         <a:prstGeom prst="rect">
           <a:avLst/>
         </a:prstGeom>
         <a:blipFill>
-          <a:blip xmlns:r="http://schemas.openxmlformats.org/officeDocument/2006/relationships" r:embed="rId5">
+          <a:blip xmlns:r="http://schemas.openxmlformats.org/officeDocument/2006/relationships" r:embed="rId5" cstate="print">
             <a:extLst>
               <a:ext uri="{28A0092B-C50C-407E-A947-70E740481C1C}">
                 <a14:useLocalDpi xmlns:a14="http://schemas.microsoft.com/office/drawing/2010/main" val="0"/>
               </a:ext>
               <a:ext uri="{96DAC541-7B7A-43D3-8B79-37D633B846F1}">
-                <asvg:svgBlip xmlns:asvg="http://schemas.microsoft.com/office/drawing/2016/SVG/main" r:embed="rId6"/>
+                <asvg:svgBlip xmlns:asvg="http://schemas.microsoft.com/office/drawing/2016/SVG/main" xmlns="" r:embed="rId6"/>
               </a:ext>
             </a:extLst>
           </a:blip>
@@ -2002,7 +2097,7 @@
       </dsp:nvSpPr>
       <dsp:spPr>
         <a:xfrm>
-          <a:off x="4357800" y="2535669"/>
+          <a:off x="4272048" y="2535669"/>
           <a:ext cx="1800000" cy="720000"/>
         </a:xfrm>
         <a:prstGeom prst="rect">
@@ -2032,7 +2127,7 @@
         </a:bodyPr>
         <a:lstStyle/>
         <a:p>
-          <a:pPr marL="0" lvl="0" indent="0" algn="ctr" defTabSz="488950">
+          <a:pPr lvl="0" algn="ctr" defTabSz="488950">
             <a:lnSpc>
               <a:spcPct val="100000"/>
             </a:lnSpc>
@@ -2042,7 +2137,6 @@
             <a:spcAft>
               <a:spcPct val="35000"/>
             </a:spcAft>
-            <a:buNone/>
             <a:defRPr cap="all"/>
           </a:pPr>
           <a:r>
@@ -2052,7 +2146,7 @@
         </a:p>
       </dsp:txBody>
       <dsp:txXfrm>
-        <a:off x="4357800" y="2535669"/>
+        <a:off x="4272048" y="2535669"/>
         <a:ext cx="1800000" cy="720000"/>
       </dsp:txXfrm>
     </dsp:sp>
@@ -2109,13 +2203,13 @@
           <a:avLst/>
         </a:prstGeom>
         <a:blipFill>
-          <a:blip xmlns:r="http://schemas.openxmlformats.org/officeDocument/2006/relationships" r:embed="rId7">
+          <a:blip xmlns:r="http://schemas.openxmlformats.org/officeDocument/2006/relationships" r:embed="rId7" cstate="print">
             <a:extLst>
               <a:ext uri="{28A0092B-C50C-407E-A947-70E740481C1C}">
                 <a14:useLocalDpi xmlns:a14="http://schemas.microsoft.com/office/drawing/2010/main" val="0"/>
               </a:ext>
               <a:ext uri="{96DAC541-7B7A-43D3-8B79-37D633B846F1}">
-                <asvg:svgBlip xmlns:asvg="http://schemas.microsoft.com/office/drawing/2016/SVG/main" r:embed="rId8"/>
+                <asvg:svgBlip xmlns:asvg="http://schemas.microsoft.com/office/drawing/2016/SVG/main" xmlns="" r:embed="rId8"/>
               </a:ext>
             </a:extLst>
           </a:blip>
@@ -2152,8 +2246,8 @@
       </dsp:nvSpPr>
       <dsp:spPr>
         <a:xfrm>
-          <a:off x="6472800" y="2535669"/>
-          <a:ext cx="1800000" cy="720000"/>
+          <a:off x="6387048" y="2535669"/>
+          <a:ext cx="1971504" cy="720000"/>
         </a:xfrm>
         <a:prstGeom prst="rect">
           <a:avLst/>
@@ -2182,7 +2276,7 @@
         </a:bodyPr>
         <a:lstStyle/>
         <a:p>
-          <a:pPr marL="0" lvl="0" indent="0" algn="ctr" defTabSz="488950">
+          <a:pPr lvl="0" algn="ctr" defTabSz="488950">
             <a:lnSpc>
               <a:spcPct val="100000"/>
             </a:lnSpc>
@@ -2192,18 +2286,26 @@
             <a:spcAft>
               <a:spcPct val="35000"/>
             </a:spcAft>
-            <a:buNone/>
             <a:defRPr cap="all"/>
           </a:pPr>
           <a:r>
-            <a:rPr lang="en-US" sz="1100" kern="1200"/>
-            <a:t>Problèmes rencontrés</a:t>
+            <a:rPr lang="en-US" sz="1100" kern="1200" dirty="0" err="1"/>
+            <a:t>Problèmes</a:t>
           </a:r>
+          <a:r>
+            <a:rPr lang="en-US" sz="1100" kern="1200" dirty="0"/>
+            <a:t> </a:t>
+          </a:r>
+          <a:r>
+            <a:rPr lang="en-US" sz="1100" kern="1200" dirty="0" err="1"/>
+            <a:t>rencontrés</a:t>
+          </a:r>
+          <a:endParaRPr lang="en-US" sz="1100" kern="1200" dirty="0"/>
         </a:p>
       </dsp:txBody>
       <dsp:txXfrm>
-        <a:off x="6472800" y="2535669"/>
-        <a:ext cx="1800000" cy="720000"/>
+        <a:off x="6387048" y="2535669"/>
+        <a:ext cx="1971504" cy="720000"/>
       </dsp:txXfrm>
     </dsp:sp>
     <dsp:sp modelId="{9E52F630-C3BC-48D2-9CFB-2D368AA81A8C}">
@@ -2213,7 +2315,7 @@
       </dsp:nvSpPr>
       <dsp:spPr>
         <a:xfrm>
-          <a:off x="8938800" y="1095669"/>
+          <a:off x="9024552" y="1095669"/>
           <a:ext cx="1098000" cy="1098000"/>
         </a:xfrm>
         <a:prstGeom prst="ellipse">
@@ -2252,20 +2354,20 @@
       </dsp:nvSpPr>
       <dsp:spPr>
         <a:xfrm>
-          <a:off x="9172800" y="1329668"/>
+          <a:off x="9258552" y="1329668"/>
           <a:ext cx="630000" cy="630000"/>
         </a:xfrm>
         <a:prstGeom prst="rect">
           <a:avLst/>
         </a:prstGeom>
         <a:blipFill>
-          <a:blip xmlns:r="http://schemas.openxmlformats.org/officeDocument/2006/relationships" r:embed="rId9">
+          <a:blip xmlns:r="http://schemas.openxmlformats.org/officeDocument/2006/relationships" r:embed="rId9" cstate="print">
             <a:extLst>
               <a:ext uri="{28A0092B-C50C-407E-A947-70E740481C1C}">
                 <a14:useLocalDpi xmlns:a14="http://schemas.microsoft.com/office/drawing/2010/main" val="0"/>
               </a:ext>
               <a:ext uri="{96DAC541-7B7A-43D3-8B79-37D633B846F1}">
-                <asvg:svgBlip xmlns:asvg="http://schemas.microsoft.com/office/drawing/2016/SVG/main" r:embed="rId10"/>
+                <asvg:svgBlip xmlns:asvg="http://schemas.microsoft.com/office/drawing/2016/SVG/main" xmlns="" r:embed="rId10"/>
               </a:ext>
             </a:extLst>
           </a:blip>
@@ -2302,7 +2404,7 @@
       </dsp:nvSpPr>
       <dsp:spPr>
         <a:xfrm>
-          <a:off x="8587800" y="2535669"/>
+          <a:off x="8673552" y="2535669"/>
           <a:ext cx="1800000" cy="720000"/>
         </a:xfrm>
         <a:prstGeom prst="rect">
@@ -2332,7 +2434,7 @@
         </a:bodyPr>
         <a:lstStyle/>
         <a:p>
-          <a:pPr marL="0" lvl="0" indent="0" algn="ctr" defTabSz="488950">
+          <a:pPr lvl="0" algn="ctr" defTabSz="488950">
             <a:lnSpc>
               <a:spcPct val="100000"/>
             </a:lnSpc>
@@ -2342,7 +2444,6 @@
             <a:spcAft>
               <a:spcPct val="35000"/>
             </a:spcAft>
-            <a:buNone/>
             <a:defRPr cap="all"/>
           </a:pPr>
           <a:r>
@@ -2352,7 +2453,7 @@
         </a:p>
       </dsp:txBody>
       <dsp:txXfrm>
-        <a:off x="8587800" y="2535669"/>
+        <a:off x="8673552" y="2535669"/>
         <a:ext cx="1800000" cy="720000"/>
       </dsp:txXfrm>
     </dsp:sp>
@@ -2562,7 +2663,7 @@
   </dgm:layoutNode>
   <dgm:extLst>
     <a:ext uri="{68A01E43-0DF5-4B5B-8FA6-DAF915123BFB}">
-      <dgm1612:lstStyle xmlns:dgm1612="http://schemas.microsoft.com/office/drawing/2016/12/diagram">
+      <dgm1612:lstStyle xmlns:dgm1612="http://schemas.microsoft.com/office/drawing/2016/12/diagram" xmlns="">
         <a:lvl1pPr>
           <a:lnSpc>
             <a:spcPct val="100000"/>
@@ -3609,6 +3710,456 @@
 </dgm:styleDef>
 </file>
 
+<file path=ppt/notesMasters/notesMaster1.xml><?xml version="1.0" encoding="utf-8"?>
+<p:notesMaster xmlns:a="http://schemas.openxmlformats.org/drawingml/2006/main" xmlns:r="http://schemas.openxmlformats.org/officeDocument/2006/relationships" xmlns:p="http://schemas.openxmlformats.org/presentationml/2006/main">
+  <p:cSld>
+    <p:bg>
+      <p:bgRef idx="1001">
+        <a:schemeClr val="bg1"/>
+      </p:bgRef>
+    </p:bg>
+    <p:spTree>
+      <p:nvGrpSpPr>
+        <p:cNvPr id="1" name=""/>
+        <p:cNvGrpSpPr/>
+        <p:nvPr/>
+      </p:nvGrpSpPr>
+      <p:grpSpPr>
+        <a:xfrm>
+          <a:off x="0" y="0"/>
+          <a:ext cx="0" cy="0"/>
+          <a:chOff x="0" y="0"/>
+          <a:chExt cx="0" cy="0"/>
+        </a:xfrm>
+      </p:grpSpPr>
+      <p:sp>
+        <p:nvSpPr>
+          <p:cNvPr id="2" name="Espace réservé de l'en-tête 1"/>
+          <p:cNvSpPr>
+            <a:spLocks noGrp="1"/>
+          </p:cNvSpPr>
+          <p:nvPr>
+            <p:ph type="hdr" sz="quarter"/>
+          </p:nvPr>
+        </p:nvSpPr>
+        <p:spPr>
+          <a:xfrm>
+            <a:off x="0" y="0"/>
+            <a:ext cx="2971800" cy="458788"/>
+          </a:xfrm>
+          <a:prstGeom prst="rect">
+            <a:avLst/>
+          </a:prstGeom>
+        </p:spPr>
+        <p:txBody>
+          <a:bodyPr vert="horz" lIns="91440" tIns="45720" rIns="91440" bIns="45720" rtlCol="0"/>
+          <a:lstStyle>
+            <a:lvl1pPr algn="l">
+              <a:defRPr sz="1200"/>
+            </a:lvl1pPr>
+          </a:lstStyle>
+          <a:p>
+            <a:endParaRPr lang="fr-CH"/>
+          </a:p>
+        </p:txBody>
+      </p:sp>
+      <p:sp>
+        <p:nvSpPr>
+          <p:cNvPr id="3" name="Espace réservé de la date 2"/>
+          <p:cNvSpPr>
+            <a:spLocks noGrp="1"/>
+          </p:cNvSpPr>
+          <p:nvPr>
+            <p:ph type="dt" idx="1"/>
+          </p:nvPr>
+        </p:nvSpPr>
+        <p:spPr>
+          <a:xfrm>
+            <a:off x="3884613" y="0"/>
+            <a:ext cx="2971800" cy="458788"/>
+          </a:xfrm>
+          <a:prstGeom prst="rect">
+            <a:avLst/>
+          </a:prstGeom>
+        </p:spPr>
+        <p:txBody>
+          <a:bodyPr vert="horz" lIns="91440" tIns="45720" rIns="91440" bIns="45720" rtlCol="0"/>
+          <a:lstStyle>
+            <a:lvl1pPr algn="r">
+              <a:defRPr sz="1200"/>
+            </a:lvl1pPr>
+          </a:lstStyle>
+          <a:p>
+            <a:fld id="{0FB60A5B-CDDB-4B09-96A2-EB67EBEC2B00}" type="datetimeFigureOut">
+              <a:rPr lang="fr-CH" smtClean="0"/>
+              <a:t>25.05.2022</a:t>
+            </a:fld>
+            <a:endParaRPr lang="fr-CH"/>
+          </a:p>
+        </p:txBody>
+      </p:sp>
+      <p:sp>
+        <p:nvSpPr>
+          <p:cNvPr id="4" name="Espace réservé de l'image des diapositives 3"/>
+          <p:cNvSpPr>
+            <a:spLocks noGrp="1" noRot="1" noChangeAspect="1"/>
+          </p:cNvSpPr>
+          <p:nvPr>
+            <p:ph type="sldImg" idx="2"/>
+          </p:nvPr>
+        </p:nvSpPr>
+        <p:spPr>
+          <a:xfrm>
+            <a:off x="685800" y="1143000"/>
+            <a:ext cx="5486400" cy="3086100"/>
+          </a:xfrm>
+          <a:prstGeom prst="rect">
+            <a:avLst/>
+          </a:prstGeom>
+          <a:noFill/>
+          <a:ln w="12700">
+            <a:solidFill>
+              <a:prstClr val="black"/>
+            </a:solidFill>
+          </a:ln>
+        </p:spPr>
+        <p:txBody>
+          <a:bodyPr vert="horz" lIns="91440" tIns="45720" rIns="91440" bIns="45720" rtlCol="0" anchor="ctr"/>
+          <a:lstStyle/>
+          <a:p>
+            <a:endParaRPr lang="fr-CH"/>
+          </a:p>
+        </p:txBody>
+      </p:sp>
+      <p:sp>
+        <p:nvSpPr>
+          <p:cNvPr id="5" name="Espace réservé des notes 4"/>
+          <p:cNvSpPr>
+            <a:spLocks noGrp="1"/>
+          </p:cNvSpPr>
+          <p:nvPr>
+            <p:ph type="body" sz="quarter" idx="3"/>
+          </p:nvPr>
+        </p:nvSpPr>
+        <p:spPr>
+          <a:xfrm>
+            <a:off x="685800" y="4400550"/>
+            <a:ext cx="5486400" cy="3600450"/>
+          </a:xfrm>
+          <a:prstGeom prst="rect">
+            <a:avLst/>
+          </a:prstGeom>
+        </p:spPr>
+        <p:txBody>
+          <a:bodyPr vert="horz" lIns="91440" tIns="45720" rIns="91440" bIns="45720" rtlCol="0"/>
+          <a:lstStyle/>
+          <a:p>
+            <a:pPr lvl="0"/>
+            <a:r>
+              <a:rPr lang="fr-FR" smtClean="0"/>
+              <a:t>Modifier les styles du texte du masque</a:t>
+            </a:r>
+          </a:p>
+          <a:p>
+            <a:pPr lvl="1"/>
+            <a:r>
+              <a:rPr lang="fr-FR" smtClean="0"/>
+              <a:t>Deuxième niveau</a:t>
+            </a:r>
+          </a:p>
+          <a:p>
+            <a:pPr lvl="2"/>
+            <a:r>
+              <a:rPr lang="fr-FR" smtClean="0"/>
+              <a:t>Troisième niveau</a:t>
+            </a:r>
+          </a:p>
+          <a:p>
+            <a:pPr lvl="3"/>
+            <a:r>
+              <a:rPr lang="fr-FR" smtClean="0"/>
+              <a:t>Quatrième niveau</a:t>
+            </a:r>
+          </a:p>
+          <a:p>
+            <a:pPr lvl="4"/>
+            <a:r>
+              <a:rPr lang="fr-FR" smtClean="0"/>
+              <a:t>Cinquième niveau</a:t>
+            </a:r>
+            <a:endParaRPr lang="fr-CH"/>
+          </a:p>
+        </p:txBody>
+      </p:sp>
+      <p:sp>
+        <p:nvSpPr>
+          <p:cNvPr id="6" name="Espace réservé du pied de page 5"/>
+          <p:cNvSpPr>
+            <a:spLocks noGrp="1"/>
+          </p:cNvSpPr>
+          <p:nvPr>
+            <p:ph type="ftr" sz="quarter" idx="4"/>
+          </p:nvPr>
+        </p:nvSpPr>
+        <p:spPr>
+          <a:xfrm>
+            <a:off x="0" y="8685213"/>
+            <a:ext cx="2971800" cy="458787"/>
+          </a:xfrm>
+          <a:prstGeom prst="rect">
+            <a:avLst/>
+          </a:prstGeom>
+        </p:spPr>
+        <p:txBody>
+          <a:bodyPr vert="horz" lIns="91440" tIns="45720" rIns="91440" bIns="45720" rtlCol="0" anchor="b"/>
+          <a:lstStyle>
+            <a:lvl1pPr algn="l">
+              <a:defRPr sz="1200"/>
+            </a:lvl1pPr>
+          </a:lstStyle>
+          <a:p>
+            <a:endParaRPr lang="fr-CH"/>
+          </a:p>
+        </p:txBody>
+      </p:sp>
+      <p:sp>
+        <p:nvSpPr>
+          <p:cNvPr id="7" name="Espace réservé du numéro de diapositive 6"/>
+          <p:cNvSpPr>
+            <a:spLocks noGrp="1"/>
+          </p:cNvSpPr>
+          <p:nvPr>
+            <p:ph type="sldNum" sz="quarter" idx="5"/>
+          </p:nvPr>
+        </p:nvSpPr>
+        <p:spPr>
+          <a:xfrm>
+            <a:off x="3884613" y="8685213"/>
+            <a:ext cx="2971800" cy="458787"/>
+          </a:xfrm>
+          <a:prstGeom prst="rect">
+            <a:avLst/>
+          </a:prstGeom>
+        </p:spPr>
+        <p:txBody>
+          <a:bodyPr vert="horz" lIns="91440" tIns="45720" rIns="91440" bIns="45720" rtlCol="0" anchor="b"/>
+          <a:lstStyle>
+            <a:lvl1pPr algn="r">
+              <a:defRPr sz="1200"/>
+            </a:lvl1pPr>
+          </a:lstStyle>
+          <a:p>
+            <a:fld id="{1AEEAD7A-D7BD-4ADB-9B16-6E196635CD64}" type="slidenum">
+              <a:rPr lang="fr-CH" smtClean="0"/>
+              <a:t>‹N°›</a:t>
+            </a:fld>
+            <a:endParaRPr lang="fr-CH"/>
+          </a:p>
+        </p:txBody>
+      </p:sp>
+    </p:spTree>
+    <p:extLst>
+      <p:ext uri="{BB962C8B-B14F-4D97-AF65-F5344CB8AC3E}">
+        <p14:creationId xmlns:p14="http://schemas.microsoft.com/office/powerpoint/2010/main" val="613444982"/>
+      </p:ext>
+    </p:extLst>
+  </p:cSld>
+  <p:clrMap bg1="lt1" tx1="dk1" bg2="lt2" tx2="dk2" accent1="accent1" accent2="accent2" accent3="accent3" accent4="accent4" accent5="accent5" accent6="accent6" hlink="hlink" folHlink="folHlink"/>
+  <p:notesStyle>
+    <a:lvl1pPr marL="0" algn="l" defTabSz="914400" rtl="0" eaLnBrk="1" latinLnBrk="0" hangingPunct="1">
+      <a:defRPr sz="1200" kern="1200">
+        <a:solidFill>
+          <a:schemeClr val="tx1"/>
+        </a:solidFill>
+        <a:latin typeface="+mn-lt"/>
+        <a:ea typeface="+mn-ea"/>
+        <a:cs typeface="+mn-cs"/>
+      </a:defRPr>
+    </a:lvl1pPr>
+    <a:lvl2pPr marL="457200" algn="l" defTabSz="914400" rtl="0" eaLnBrk="1" latinLnBrk="0" hangingPunct="1">
+      <a:defRPr sz="1200" kern="1200">
+        <a:solidFill>
+          <a:schemeClr val="tx1"/>
+        </a:solidFill>
+        <a:latin typeface="+mn-lt"/>
+        <a:ea typeface="+mn-ea"/>
+        <a:cs typeface="+mn-cs"/>
+      </a:defRPr>
+    </a:lvl2pPr>
+    <a:lvl3pPr marL="914400" algn="l" defTabSz="914400" rtl="0" eaLnBrk="1" latinLnBrk="0" hangingPunct="1">
+      <a:defRPr sz="1200" kern="1200">
+        <a:solidFill>
+          <a:schemeClr val="tx1"/>
+        </a:solidFill>
+        <a:latin typeface="+mn-lt"/>
+        <a:ea typeface="+mn-ea"/>
+        <a:cs typeface="+mn-cs"/>
+      </a:defRPr>
+    </a:lvl3pPr>
+    <a:lvl4pPr marL="1371600" algn="l" defTabSz="914400" rtl="0" eaLnBrk="1" latinLnBrk="0" hangingPunct="1">
+      <a:defRPr sz="1200" kern="1200">
+        <a:solidFill>
+          <a:schemeClr val="tx1"/>
+        </a:solidFill>
+        <a:latin typeface="+mn-lt"/>
+        <a:ea typeface="+mn-ea"/>
+        <a:cs typeface="+mn-cs"/>
+      </a:defRPr>
+    </a:lvl4pPr>
+    <a:lvl5pPr marL="1828800" algn="l" defTabSz="914400" rtl="0" eaLnBrk="1" latinLnBrk="0" hangingPunct="1">
+      <a:defRPr sz="1200" kern="1200">
+        <a:solidFill>
+          <a:schemeClr val="tx1"/>
+        </a:solidFill>
+        <a:latin typeface="+mn-lt"/>
+        <a:ea typeface="+mn-ea"/>
+        <a:cs typeface="+mn-cs"/>
+      </a:defRPr>
+    </a:lvl5pPr>
+    <a:lvl6pPr marL="2286000" algn="l" defTabSz="914400" rtl="0" eaLnBrk="1" latinLnBrk="0" hangingPunct="1">
+      <a:defRPr sz="1200" kern="1200">
+        <a:solidFill>
+          <a:schemeClr val="tx1"/>
+        </a:solidFill>
+        <a:latin typeface="+mn-lt"/>
+        <a:ea typeface="+mn-ea"/>
+        <a:cs typeface="+mn-cs"/>
+      </a:defRPr>
+    </a:lvl6pPr>
+    <a:lvl7pPr marL="2743200" algn="l" defTabSz="914400" rtl="0" eaLnBrk="1" latinLnBrk="0" hangingPunct="1">
+      <a:defRPr sz="1200" kern="1200">
+        <a:solidFill>
+          <a:schemeClr val="tx1"/>
+        </a:solidFill>
+        <a:latin typeface="+mn-lt"/>
+        <a:ea typeface="+mn-ea"/>
+        <a:cs typeface="+mn-cs"/>
+      </a:defRPr>
+    </a:lvl7pPr>
+    <a:lvl8pPr marL="3200400" algn="l" defTabSz="914400" rtl="0" eaLnBrk="1" latinLnBrk="0" hangingPunct="1">
+      <a:defRPr sz="1200" kern="1200">
+        <a:solidFill>
+          <a:schemeClr val="tx1"/>
+        </a:solidFill>
+        <a:latin typeface="+mn-lt"/>
+        <a:ea typeface="+mn-ea"/>
+        <a:cs typeface="+mn-cs"/>
+      </a:defRPr>
+    </a:lvl8pPr>
+    <a:lvl9pPr marL="3657600" algn="l" defTabSz="914400" rtl="0" eaLnBrk="1" latinLnBrk="0" hangingPunct="1">
+      <a:defRPr sz="1200" kern="1200">
+        <a:solidFill>
+          <a:schemeClr val="tx1"/>
+        </a:solidFill>
+        <a:latin typeface="+mn-lt"/>
+        <a:ea typeface="+mn-ea"/>
+        <a:cs typeface="+mn-cs"/>
+      </a:defRPr>
+    </a:lvl9pPr>
+  </p:notesStyle>
+</p:notesMaster>
+</file>
+
+<file path=ppt/notesSlides/notesSlide1.xml><?xml version="1.0" encoding="utf-8"?>
+<p:notes xmlns:a="http://schemas.openxmlformats.org/drawingml/2006/main" xmlns:r="http://schemas.openxmlformats.org/officeDocument/2006/relationships" xmlns:p="http://schemas.openxmlformats.org/presentationml/2006/main">
+  <p:cSld>
+    <p:spTree>
+      <p:nvGrpSpPr>
+        <p:cNvPr id="1" name=""/>
+        <p:cNvGrpSpPr/>
+        <p:nvPr/>
+      </p:nvGrpSpPr>
+      <p:grpSpPr>
+        <a:xfrm>
+          <a:off x="0" y="0"/>
+          <a:ext cx="0" cy="0"/>
+          <a:chOff x="0" y="0"/>
+          <a:chExt cx="0" cy="0"/>
+        </a:xfrm>
+      </p:grpSpPr>
+      <p:sp>
+        <p:nvSpPr>
+          <p:cNvPr id="2" name="Espace réservé de l'image des diapositives 1"/>
+          <p:cNvSpPr>
+            <a:spLocks noGrp="1" noRot="1" noChangeAspect="1"/>
+          </p:cNvSpPr>
+          <p:nvPr>
+            <p:ph type="sldImg"/>
+          </p:nvPr>
+        </p:nvSpPr>
+        <p:spPr/>
+      </p:sp>
+      <p:sp>
+        <p:nvSpPr>
+          <p:cNvPr id="3" name="Espace réservé des notes 2"/>
+          <p:cNvSpPr>
+            <a:spLocks noGrp="1"/>
+          </p:cNvSpPr>
+          <p:nvPr>
+            <p:ph type="body" idx="1"/>
+          </p:nvPr>
+        </p:nvSpPr>
+        <p:spPr/>
+        <p:txBody>
+          <a:bodyPr/>
+          <a:lstStyle/>
+          <a:p>
+            <a:r>
+              <a:rPr lang="fr-CH" dirty="0" smtClean="0"/>
+              <a:t>.</a:t>
+            </a:r>
+            <a:r>
+              <a:rPr lang="fr-CH" dirty="0" err="1" smtClean="0"/>
+              <a:t>env</a:t>
+            </a:r>
+            <a:r>
+              <a:rPr lang="fr-CH" dirty="0" smtClean="0"/>
+              <a:t> </a:t>
+            </a:r>
+            <a:r>
+              <a:rPr lang="fr-CH" smtClean="0"/>
+              <a:t>modification url</a:t>
+            </a:r>
+            <a:endParaRPr lang="fr-CH"/>
+          </a:p>
+        </p:txBody>
+      </p:sp>
+      <p:sp>
+        <p:nvSpPr>
+          <p:cNvPr id="4" name="Espace réservé du numéro de diapositive 3"/>
+          <p:cNvSpPr>
+            <a:spLocks noGrp="1"/>
+          </p:cNvSpPr>
+          <p:nvPr>
+            <p:ph type="sldNum" sz="quarter" idx="10"/>
+          </p:nvPr>
+        </p:nvSpPr>
+        <p:spPr/>
+        <p:txBody>
+          <a:bodyPr/>
+          <a:lstStyle/>
+          <a:p>
+            <a:fld id="{1AEEAD7A-D7BD-4ADB-9B16-6E196635CD64}" type="slidenum">
+              <a:rPr lang="fr-CH" smtClean="0"/>
+              <a:t>15</a:t>
+            </a:fld>
+            <a:endParaRPr lang="fr-CH"/>
+          </a:p>
+        </p:txBody>
+      </p:sp>
+    </p:spTree>
+    <p:extLst>
+      <p:ext uri="{BB962C8B-B14F-4D97-AF65-F5344CB8AC3E}">
+        <p14:creationId xmlns:p14="http://schemas.microsoft.com/office/powerpoint/2010/main" val="4166437084"/>
+      </p:ext>
+    </p:extLst>
+  </p:cSld>
+  <p:clrMapOvr>
+    <a:masterClrMapping/>
+  </p:clrMapOvr>
+</p:notes>
+</file>
+
 <file path=ppt/slideLayouts/slideLayout1.xml><?xml version="1.0" encoding="utf-8"?>
 <p:sldLayout xmlns:a="http://schemas.openxmlformats.org/drawingml/2006/main" xmlns:r="http://schemas.openxmlformats.org/officeDocument/2006/relationships" xmlns:p="http://schemas.openxmlformats.org/presentationml/2006/main" type="title" preserve="1">
   <p:cSld name="Title Slide">
@@ -3756,7 +4307,7 @@
           <a:p>
             <a:fld id="{82EDB8D0-98ED-4B86-9D5F-E61ADC70144D}" type="datetimeFigureOut">
               <a:rPr lang="en-US" smtClean="0"/>
-              <a:t>5/20/2022</a:t>
+              <a:t>5/25/2022</a:t>
             </a:fld>
             <a:endParaRPr lang="en-US"/>
           </a:p>
@@ -3813,7 +4364,7 @@
           <a:p>
             <a:fld id="{4854181D-6920-4594-9A5D-6CE56DC9F8B2}" type="slidenum">
               <a:rPr lang="en-US" smtClean="0"/>
-              <a:t>‹#›</a:t>
+              <a:t>‹N°›</a:t>
             </a:fld>
             <a:endParaRPr lang="en-US"/>
           </a:p>
@@ -4175,7 +4726,7 @@
           <a:p>
             <a:fld id="{82EDB8D0-98ED-4B86-9D5F-E61ADC70144D}" type="datetimeFigureOut">
               <a:rPr lang="en-US" smtClean="0"/>
-              <a:t>5/20/2022</a:t>
+              <a:t>5/25/2022</a:t>
             </a:fld>
             <a:endParaRPr lang="en-US"/>
           </a:p>
@@ -4232,7 +4783,7 @@
           <a:p>
             <a:fld id="{4854181D-6920-4594-9A5D-6CE56DC9F8B2}" type="slidenum">
               <a:rPr lang="en-US" smtClean="0"/>
-              <a:t>‹#›</a:t>
+              <a:t>‹N°›</a:t>
             </a:fld>
             <a:endParaRPr lang="en-US"/>
           </a:p>
@@ -4671,7 +5222,7 @@
           <a:p>
             <a:fld id="{82EDB8D0-98ED-4B86-9D5F-E61ADC70144D}" type="datetimeFigureOut">
               <a:rPr lang="en-US" smtClean="0"/>
-              <a:t>5/20/2022</a:t>
+              <a:t>5/25/2022</a:t>
             </a:fld>
             <a:endParaRPr lang="en-US"/>
           </a:p>
@@ -4728,7 +5279,7 @@
           <a:p>
             <a:fld id="{4854181D-6920-4594-9A5D-6CE56DC9F8B2}" type="slidenum">
               <a:rPr lang="en-US" smtClean="0"/>
-              <a:t>‹#›</a:t>
+              <a:t>‹N°›</a:t>
             </a:fld>
             <a:endParaRPr lang="en-US"/>
           </a:p>
@@ -5162,7 +5713,7 @@
           <a:p>
             <a:fld id="{82EDB8D0-98ED-4B86-9D5F-E61ADC70144D}" type="datetimeFigureOut">
               <a:rPr lang="en-US" smtClean="0"/>
-              <a:t>5/20/2022</a:t>
+              <a:t>5/25/2022</a:t>
             </a:fld>
             <a:endParaRPr lang="en-US"/>
           </a:p>
@@ -5219,7 +5770,7 @@
           <a:p>
             <a:fld id="{4854181D-6920-4594-9A5D-6CE56DC9F8B2}" type="slidenum">
               <a:rPr lang="en-US" smtClean="0"/>
-              <a:t>‹#›</a:t>
+              <a:t>‹N°›</a:t>
             </a:fld>
             <a:endParaRPr lang="en-US"/>
           </a:p>
@@ -5935,7 +6486,7 @@
           <a:p>
             <a:fld id="{82EDB8D0-98ED-4B86-9D5F-E61ADC70144D}" type="datetimeFigureOut">
               <a:rPr lang="en-US" smtClean="0"/>
-              <a:t>5/20/2022</a:t>
+              <a:t>5/25/2022</a:t>
             </a:fld>
             <a:endParaRPr lang="en-US"/>
           </a:p>
@@ -5992,7 +6543,7 @@
           <a:p>
             <a:fld id="{4854181D-6920-4594-9A5D-6CE56DC9F8B2}" type="slidenum">
               <a:rPr lang="en-US" smtClean="0"/>
-              <a:t>‹#›</a:t>
+              <a:t>‹N°›</a:t>
             </a:fld>
             <a:endParaRPr lang="en-US"/>
           </a:p>
@@ -6421,7 +6972,7 @@
           <a:p>
             <a:fld id="{82EDB8D0-98ED-4B86-9D5F-E61ADC70144D}" type="datetimeFigureOut">
               <a:rPr lang="en-US" smtClean="0"/>
-              <a:t>5/20/2022</a:t>
+              <a:t>5/25/2022</a:t>
             </a:fld>
             <a:endParaRPr lang="en-US"/>
           </a:p>
@@ -6478,7 +7029,7 @@
           <a:p>
             <a:fld id="{4854181D-6920-4594-9A5D-6CE56DC9F8B2}" type="slidenum">
               <a:rPr lang="en-US" smtClean="0"/>
-              <a:t>‹#›</a:t>
+              <a:t>‹N°›</a:t>
             </a:fld>
             <a:endParaRPr lang="en-US"/>
           </a:p>
@@ -7121,7 +7672,7 @@
           <a:p>
             <a:fld id="{82EDB8D0-98ED-4B86-9D5F-E61ADC70144D}" type="datetimeFigureOut">
               <a:rPr lang="en-US" smtClean="0"/>
-              <a:t>5/20/2022</a:t>
+              <a:t>5/25/2022</a:t>
             </a:fld>
             <a:endParaRPr lang="en-US"/>
           </a:p>
@@ -7178,7 +7729,7 @@
           <a:p>
             <a:fld id="{4854181D-6920-4594-9A5D-6CE56DC9F8B2}" type="slidenum">
               <a:rPr lang="en-US" smtClean="0"/>
-              <a:t>‹#›</a:t>
+              <a:t>‹N°›</a:t>
             </a:fld>
             <a:endParaRPr lang="en-US"/>
           </a:p>
@@ -7550,7 +8101,7 @@
           <a:p>
             <a:fld id="{82EDB8D0-98ED-4B86-9D5F-E61ADC70144D}" type="datetimeFigureOut">
               <a:rPr lang="en-US" smtClean="0"/>
-              <a:t>5/20/2022</a:t>
+              <a:t>5/25/2022</a:t>
             </a:fld>
             <a:endParaRPr lang="en-US"/>
           </a:p>
@@ -7607,7 +8158,7 @@
           <a:p>
             <a:fld id="{4854181D-6920-4594-9A5D-6CE56DC9F8B2}" type="slidenum">
               <a:rPr lang="en-US" smtClean="0"/>
-              <a:t>‹#›</a:t>
+              <a:t>‹N°›</a:t>
             </a:fld>
             <a:endParaRPr lang="en-US"/>
           </a:p>
@@ -7951,7 +8502,7 @@
           <a:p>
             <a:fld id="{82EDB8D0-98ED-4B86-9D5F-E61ADC70144D}" type="datetimeFigureOut">
               <a:rPr lang="en-US" smtClean="0"/>
-              <a:t>5/20/2022</a:t>
+              <a:t>5/25/2022</a:t>
             </a:fld>
             <a:endParaRPr lang="en-US"/>
           </a:p>
@@ -8008,7 +8559,7 @@
           <a:p>
             <a:fld id="{4854181D-6920-4594-9A5D-6CE56DC9F8B2}" type="slidenum">
               <a:rPr lang="en-US" smtClean="0"/>
-              <a:t>‹#›</a:t>
+              <a:t>‹N°›</a:t>
             </a:fld>
             <a:endParaRPr lang="en-US"/>
           </a:p>
@@ -8550,7 +9101,7 @@
           <a:p>
             <a:fld id="{82EDB8D0-98ED-4B86-9D5F-E61ADC70144D}" type="datetimeFigureOut">
               <a:rPr lang="en-US" smtClean="0"/>
-              <a:t>5/20/2022</a:t>
+              <a:t>5/25/2022</a:t>
             </a:fld>
             <a:endParaRPr lang="en-US"/>
           </a:p>
@@ -8607,7 +9158,7 @@
           <a:p>
             <a:fld id="{4854181D-6920-4594-9A5D-6CE56DC9F8B2}" type="slidenum">
               <a:rPr lang="en-US" smtClean="0"/>
-              <a:t>‹#›</a:t>
+              <a:t>‹N°›</a:t>
             </a:fld>
             <a:endParaRPr lang="en-US"/>
           </a:p>
@@ -9129,7 +9680,7 @@
           <a:p>
             <a:fld id="{82EDB8D0-98ED-4B86-9D5F-E61ADC70144D}" type="datetimeFigureOut">
               <a:rPr lang="en-US" smtClean="0"/>
-              <a:t>5/20/2022</a:t>
+              <a:t>5/25/2022</a:t>
             </a:fld>
             <a:endParaRPr lang="en-US"/>
           </a:p>
@@ -9186,7 +9737,7 @@
           <a:p>
             <a:fld id="{4854181D-6920-4594-9A5D-6CE56DC9F8B2}" type="slidenum">
               <a:rPr lang="en-US" smtClean="0"/>
-              <a:t>‹#›</a:t>
+              <a:t>‹N°›</a:t>
             </a:fld>
             <a:endParaRPr lang="en-US"/>
           </a:p>
@@ -9660,7 +10211,7 @@
             <a:fld id="{82EDB8D0-98ED-4B86-9D5F-E61ADC70144D}" type="datetimeFigureOut">
               <a:rPr lang="en-US" smtClean="0"/>
               <a:pPr/>
-              <a:t>5/20/2022</a:t>
+              <a:t>5/25/2022</a:t>
             </a:fld>
             <a:endParaRPr lang="en-US"/>
           </a:p>
@@ -9756,7 +10307,7 @@
             <a:fld id="{4854181D-6920-4594-9A5D-6CE56DC9F8B2}" type="slidenum">
               <a:rPr lang="en-US" smtClean="0"/>
               <a:pPr/>
-              <a:t>‹#›</a:t>
+              <a:t>‹N°›</a:t>
             </a:fld>
             <a:endParaRPr lang="en-US"/>
           </a:p>
@@ -10129,7 +10680,7 @@
                 <a16:creationId xmlns:a16="http://schemas.microsoft.com/office/drawing/2014/main" id="{A34066D6-1B59-4642-A86D-39464CEE971B}"/>
               </a:ext>
               <a:ext uri="{C183D7F6-B498-43B3-948B-1728B52AA6E4}">
-                <adec:decorative xmlns:adec="http://schemas.microsoft.com/office/drawing/2017/decorative" val="1"/>
+                <adec:decorative xmlns:adec="http://schemas.microsoft.com/office/drawing/2017/decorative" xmlns="" val="1"/>
               </a:ext>
             </a:extLst>
           </p:cNvPr>
@@ -10221,7 +10772,7 @@
                 <a16:creationId xmlns:a16="http://schemas.microsoft.com/office/drawing/2014/main" id="{18E928D9-3091-4385-B979-265D55AD02CE}"/>
               </a:ext>
               <a:ext uri="{C183D7F6-B498-43B3-948B-1728B52AA6E4}">
-                <adec:decorative xmlns:adec="http://schemas.microsoft.com/office/drawing/2017/decorative" val="1"/>
+                <adec:decorative xmlns:adec="http://schemas.microsoft.com/office/drawing/2017/decorative" xmlns="" val="1"/>
               </a:ext>
             </a:extLst>
           </p:cNvPr>
@@ -10355,7 +10906,7 @@
                 <a16:creationId xmlns:a16="http://schemas.microsoft.com/office/drawing/2014/main" id="{7D602432-D774-4CF5-94E8-7D52D01059D2}"/>
               </a:ext>
               <a:ext uri="{C183D7F6-B498-43B3-948B-1728B52AA6E4}">
-                <adec:decorative xmlns:adec="http://schemas.microsoft.com/office/drawing/2017/decorative" val="1"/>
+                <adec:decorative xmlns:adec="http://schemas.microsoft.com/office/drawing/2017/decorative" xmlns="" val="1"/>
               </a:ext>
             </a:extLst>
           </p:cNvPr>
@@ -10449,7 +11000,7 @@
                 <a16:creationId xmlns:a16="http://schemas.microsoft.com/office/drawing/2014/main" id="{CBF9EBB4-5078-47B2-AAA0-DF4A88D8182A}"/>
               </a:ext>
               <a:ext uri="{C183D7F6-B498-43B3-948B-1728B52AA6E4}">
-                <adec:decorative xmlns:adec="http://schemas.microsoft.com/office/drawing/2017/decorative" val="1"/>
+                <adec:decorative xmlns:adec="http://schemas.microsoft.com/office/drawing/2017/decorative" xmlns="" val="1"/>
               </a:ext>
             </a:extLst>
           </p:cNvPr>
@@ -10650,7 +11201,7 @@
                 <a16:creationId xmlns:a16="http://schemas.microsoft.com/office/drawing/2014/main" id="{8A7BA06D-B3FF-4E91-8639-B4569AE3AA23}"/>
               </a:ext>
               <a:ext uri="{C183D7F6-B498-43B3-948B-1728B52AA6E4}">
-                <adec:decorative xmlns:adec="http://schemas.microsoft.com/office/drawing/2017/decorative" val="1"/>
+                <adec:decorative xmlns:adec="http://schemas.microsoft.com/office/drawing/2017/decorative" xmlns="" val="1"/>
               </a:ext>
             </a:extLst>
           </p:cNvPr>
@@ -10772,7 +11323,7 @@
                 <a16:creationId xmlns:a16="http://schemas.microsoft.com/office/drawing/2014/main" id="{2B30C86D-5A07-48BC-9C9D-6F9A2DB1E9E1}"/>
               </a:ext>
               <a:ext uri="{C183D7F6-B498-43B3-948B-1728B52AA6E4}">
-                <adec:decorative xmlns:adec="http://schemas.microsoft.com/office/drawing/2017/decorative" val="1"/>
+                <adec:decorative xmlns:adec="http://schemas.microsoft.com/office/drawing/2017/decorative" xmlns="" val="1"/>
               </a:ext>
             </a:extLst>
           </p:cNvPr>
@@ -10862,7 +11413,7 @@
                 <a16:creationId xmlns:a16="http://schemas.microsoft.com/office/drawing/2014/main" id="{3F138222-D274-4866-96E7-C3B1D6DA8CEE}"/>
               </a:ext>
               <a:ext uri="{C183D7F6-B498-43B3-948B-1728B52AA6E4}">
-                <adec:decorative xmlns:adec="http://schemas.microsoft.com/office/drawing/2017/decorative" val="1"/>
+                <adec:decorative xmlns:adec="http://schemas.microsoft.com/office/drawing/2017/decorative" xmlns="" val="1"/>
               </a:ext>
             </a:extLst>
           </p:cNvPr>
@@ -10954,7 +11505,7 @@
                 <a16:creationId xmlns:a16="http://schemas.microsoft.com/office/drawing/2014/main" id="{5888E255-D20B-4F26-B9DA-3DF036797008}"/>
               </a:ext>
               <a:ext uri="{C183D7F6-B498-43B3-948B-1728B52AA6E4}">
-                <adec:decorative xmlns:adec="http://schemas.microsoft.com/office/drawing/2017/decorative" val="1"/>
+                <adec:decorative xmlns:adec="http://schemas.microsoft.com/office/drawing/2017/decorative" xmlns="" val="1"/>
               </a:ext>
             </a:extLst>
           </p:cNvPr>
@@ -11093,7 +11644,7 @@
                 <a16:creationId xmlns:a16="http://schemas.microsoft.com/office/drawing/2014/main" id="{02AD46D6-02D6-45B3-921C-F4033826EFA7}"/>
               </a:ext>
               <a:ext uri="{C183D7F6-B498-43B3-948B-1728B52AA6E4}">
-                <adec:decorative xmlns:adec="http://schemas.microsoft.com/office/drawing/2017/decorative" val="1"/>
+                <adec:decorative xmlns:adec="http://schemas.microsoft.com/office/drawing/2017/decorative" xmlns="" val="1"/>
               </a:ext>
             </a:extLst>
           </p:cNvPr>
@@ -11435,8 +11986,8 @@
         </p:nvSpPr>
         <p:spPr>
           <a:xfrm>
-            <a:off x="838200" y="1825625"/>
-            <a:ext cx="10506308" cy="3952668"/>
+            <a:off x="838200" y="1825624"/>
+            <a:ext cx="10506308" cy="4530725"/>
           </a:xfrm>
         </p:spPr>
         <p:txBody>
@@ -11451,8 +12002,13 @@
             </a:r>
             <a:r>
               <a:rPr lang="en-US" dirty="0"/>
-              <a:t> artisan</a:t>
+              <a:t> </a:t>
             </a:r>
+            <a:r>
+              <a:rPr lang="en-US" dirty="0" smtClean="0"/>
+              <a:t>artisan</a:t>
+            </a:r>
+            <a:endParaRPr lang="en-US" dirty="0"/>
           </a:p>
           <a:p>
             <a:r>
@@ -11469,7 +12025,7 @@
               </a:rPr>
               <a:t>données</a:t>
             </a:r>
-            <a:endParaRPr lang="en-US">
+            <a:endParaRPr lang="en-US" dirty="0">
               <a:ea typeface="+mn-lt"/>
               <a:cs typeface="+mn-lt"/>
             </a:endParaRPr>
@@ -11501,39 +12057,69 @@
                 <a:ea typeface="+mn-lt"/>
                 <a:cs typeface="+mn-lt"/>
               </a:rPr>
-              <a:t>ORM Eloquent</a:t>
+              <a:t>ORM </a:t>
             </a:r>
-          </a:p>
-          <a:p>
             <a:r>
-              <a:rPr lang="en-US" dirty="0"/>
-              <a:t>Front-end</a:t>
+              <a:rPr lang="en-US" dirty="0" smtClean="0">
+                <a:ea typeface="+mn-lt"/>
+                <a:cs typeface="+mn-lt"/>
+              </a:rPr>
+              <a:t>Eloquent </a:t>
             </a:r>
           </a:p>
           <a:p>
             <a:pPr lvl="1"/>
             <a:r>
-              <a:rPr lang="en-US" dirty="0"/>
-              <a:t>Views partials</a:t>
+              <a:rPr lang="en-US" dirty="0" smtClean="0">
+                <a:ea typeface="+mn-lt"/>
+                <a:cs typeface="+mn-lt"/>
+              </a:rPr>
+              <a:t>Relationships</a:t>
+            </a:r>
+          </a:p>
+          <a:p>
+            <a:r>
+              <a:rPr lang="en-US" dirty="0" smtClean="0">
+                <a:ea typeface="+mn-lt"/>
+                <a:cs typeface="+mn-lt"/>
+              </a:rPr>
+              <a:t>Back-end</a:t>
             </a:r>
           </a:p>
           <a:p>
             <a:pPr lvl="1"/>
             <a:r>
-              <a:rPr lang="en-US" dirty="0"/>
-              <a:t>Blade</a:t>
+              <a:rPr lang="en-US" dirty="0" smtClean="0">
+                <a:ea typeface="+mn-lt"/>
+                <a:cs typeface="+mn-lt"/>
+              </a:rPr>
+              <a:t>Module </a:t>
             </a:r>
+            <a:r>
+              <a:rPr lang="en-US" dirty="0" err="1" smtClean="0">
+                <a:ea typeface="+mn-lt"/>
+                <a:cs typeface="+mn-lt"/>
+              </a:rPr>
+              <a:t>Auth</a:t>
+            </a:r>
+            <a:endParaRPr lang="en-US" dirty="0" smtClean="0">
+              <a:ea typeface="+mn-lt"/>
+              <a:cs typeface="+mn-lt"/>
+            </a:endParaRPr>
           </a:p>
           <a:p>
             <a:pPr lvl="1"/>
             <a:r>
-              <a:rPr lang="en-US" dirty="0"/>
-              <a:t>Tailwind -&gt;</a:t>
+              <a:rPr lang="en-US" dirty="0" smtClean="0">
+                <a:ea typeface="+mn-lt"/>
+                <a:cs typeface="+mn-lt"/>
+              </a:rPr>
+              <a:t>Middleware</a:t>
             </a:r>
-            <a:r>
-              <a:rPr lang="fr-CH" dirty="0"/>
-              <a:t> Composants</a:t>
-            </a:r>
+            <a:endParaRPr lang="en-US" dirty="0">
+              <a:ea typeface="+mn-lt"/>
+              <a:cs typeface="+mn-lt"/>
+            </a:endParaRPr>
           </a:p>
         </p:txBody>
       </p:sp>
@@ -11596,7 +12182,7 @@
       </p:sp>
       <p:pic>
         <p:nvPicPr>
-          <p:cNvPr id="6" name="Picture 6">
+          <p:cNvPr id="9" name="Picture 6">
             <a:extLst>
               <a:ext uri="{FF2B5EF4-FFF2-40B4-BE49-F238E27FC236}">
                 <a16:creationId xmlns:a16="http://schemas.microsoft.com/office/drawing/2014/main" id="{FE42F199-5036-3752-12BE-0D514CA14E3F}"/>
@@ -11616,38 +12202,8 @@
         </p:blipFill>
         <p:spPr>
           <a:xfrm>
-            <a:off x="5354909" y="2291925"/>
+            <a:off x="6386539" y="2534015"/>
             <a:ext cx="2095500" cy="2181225"/>
-          </a:xfrm>
-          <a:prstGeom prst="rect">
-            <a:avLst/>
-          </a:prstGeom>
-        </p:spPr>
-      </p:pic>
-      <p:pic>
-        <p:nvPicPr>
-          <p:cNvPr id="8" name="Picture 8">
-            <a:extLst>
-              <a:ext uri="{FF2B5EF4-FFF2-40B4-BE49-F238E27FC236}">
-                <a16:creationId xmlns:a16="http://schemas.microsoft.com/office/drawing/2014/main" id="{7E921828-D1E6-4C0F-B743-3095B0874A8D}"/>
-              </a:ext>
-            </a:extLst>
-          </p:cNvPr>
-          <p:cNvPicPr>
-            <a:picLocks noChangeAspect="1"/>
-          </p:cNvPicPr>
-          <p:nvPr/>
-        </p:nvPicPr>
-        <p:blipFill>
-          <a:blip r:embed="rId3"/>
-          <a:stretch>
-            <a:fillRect/>
-          </a:stretch>
-        </p:blipFill>
-        <p:spPr>
-          <a:xfrm>
-            <a:off x="7921083" y="3433089"/>
-            <a:ext cx="2743200" cy="1645920"/>
           </a:xfrm>
           <a:prstGeom prst="rect">
             <a:avLst/>
@@ -11668,6 +12224,219 @@
 </file>
 
 <file path=ppt/slides/slide12.xml><?xml version="1.0" encoding="utf-8"?>
+<p:sld xmlns:a="http://schemas.openxmlformats.org/drawingml/2006/main" xmlns:r="http://schemas.openxmlformats.org/officeDocument/2006/relationships" xmlns:p="http://schemas.openxmlformats.org/presentationml/2006/main">
+  <p:cSld>
+    <p:spTree>
+      <p:nvGrpSpPr>
+        <p:cNvPr id="1" name=""/>
+        <p:cNvGrpSpPr/>
+        <p:nvPr/>
+      </p:nvGrpSpPr>
+      <p:grpSpPr>
+        <a:xfrm>
+          <a:off x="0" y="0"/>
+          <a:ext cx="0" cy="0"/>
+          <a:chOff x="0" y="0"/>
+          <a:chExt cx="0" cy="0"/>
+        </a:xfrm>
+      </p:grpSpPr>
+      <p:sp>
+        <p:nvSpPr>
+          <p:cNvPr id="2" name="Title 1">
+            <a:extLst>
+              <a:ext uri="{FF2B5EF4-FFF2-40B4-BE49-F238E27FC236}">
+                <a16:creationId xmlns:a16="http://schemas.microsoft.com/office/drawing/2014/main" id="{2966B96F-2715-C926-1A8D-9C07C1759D3B}"/>
+              </a:ext>
+            </a:extLst>
+          </p:cNvPr>
+          <p:cNvSpPr>
+            <a:spLocks noGrp="1"/>
+          </p:cNvSpPr>
+          <p:nvPr>
+            <p:ph type="title"/>
+          </p:nvPr>
+        </p:nvSpPr>
+        <p:spPr/>
+        <p:txBody>
+          <a:bodyPr/>
+          <a:lstStyle/>
+          <a:p>
+            <a:r>
+              <a:rPr lang="en-US" dirty="0" err="1"/>
+              <a:t>Réalisation</a:t>
+            </a:r>
+          </a:p>
+        </p:txBody>
+      </p:sp>
+      <p:sp>
+        <p:nvSpPr>
+          <p:cNvPr id="3" name="Content Placeholder 2">
+            <a:extLst>
+              <a:ext uri="{FF2B5EF4-FFF2-40B4-BE49-F238E27FC236}">
+                <a16:creationId xmlns:a16="http://schemas.microsoft.com/office/drawing/2014/main" id="{80ED7DA6-F771-F45B-BFCD-5F4B69EBCE39}"/>
+              </a:ext>
+            </a:extLst>
+          </p:cNvPr>
+          <p:cNvSpPr>
+            <a:spLocks noGrp="1"/>
+          </p:cNvSpPr>
+          <p:nvPr>
+            <p:ph idx="1"/>
+          </p:nvPr>
+        </p:nvSpPr>
+        <p:spPr>
+          <a:xfrm>
+            <a:off x="838200" y="1825624"/>
+            <a:ext cx="10506308" cy="4530725"/>
+          </a:xfrm>
+        </p:spPr>
+        <p:txBody>
+          <a:bodyPr vert="horz" lIns="91440" tIns="45720" rIns="91440" bIns="45720" rtlCol="0" anchor="t">
+            <a:normAutofit/>
+          </a:bodyPr>
+          <a:lstStyle/>
+          <a:p>
+            <a:r>
+              <a:rPr lang="en-US" dirty="0" smtClean="0"/>
+              <a:t>Front-end</a:t>
+            </a:r>
+          </a:p>
+          <a:p>
+            <a:pPr lvl="1"/>
+            <a:r>
+              <a:rPr lang="en-US" dirty="0" smtClean="0"/>
+              <a:t>Views </a:t>
+            </a:r>
+            <a:r>
+              <a:rPr lang="en-US" dirty="0"/>
+              <a:t>partials</a:t>
+            </a:r>
+          </a:p>
+          <a:p>
+            <a:pPr lvl="1"/>
+            <a:r>
+              <a:rPr lang="en-US" dirty="0" smtClean="0"/>
+              <a:t>Blade</a:t>
+            </a:r>
+          </a:p>
+          <a:p>
+            <a:pPr lvl="1"/>
+            <a:r>
+              <a:rPr lang="en-US" dirty="0" smtClean="0"/>
+              <a:t>Tailwind </a:t>
+            </a:r>
+            <a:r>
+              <a:rPr lang="en-US" dirty="0"/>
+              <a:t>-&gt;</a:t>
+            </a:r>
+            <a:r>
+              <a:rPr lang="fr-CH" dirty="0"/>
+              <a:t> Composants</a:t>
+            </a:r>
+          </a:p>
+        </p:txBody>
+      </p:sp>
+      <p:sp>
+        <p:nvSpPr>
+          <p:cNvPr id="4" name="Footer Placeholder 3">
+            <a:extLst>
+              <a:ext uri="{FF2B5EF4-FFF2-40B4-BE49-F238E27FC236}">
+                <a16:creationId xmlns:a16="http://schemas.microsoft.com/office/drawing/2014/main" id="{F05DE74B-0779-8740-43C4-7D683FB578E0}"/>
+              </a:ext>
+            </a:extLst>
+          </p:cNvPr>
+          <p:cNvSpPr>
+            <a:spLocks noGrp="1"/>
+          </p:cNvSpPr>
+          <p:nvPr>
+            <p:ph type="ftr" sz="quarter" idx="11"/>
+          </p:nvPr>
+        </p:nvSpPr>
+        <p:spPr/>
+        <p:txBody>
+          <a:bodyPr/>
+          <a:lstStyle/>
+          <a:p>
+            <a:r>
+              <a:rPr lang="en-US"/>
+              <a:t>ETML | CID2A | Alexis Rojas / Robustiano Lombardo / David Dieperink / Stefan Petrovic</a:t>
+            </a:r>
+          </a:p>
+        </p:txBody>
+      </p:sp>
+      <p:sp>
+        <p:nvSpPr>
+          <p:cNvPr id="5" name="Slide Number Placeholder 4">
+            <a:extLst>
+              <a:ext uri="{FF2B5EF4-FFF2-40B4-BE49-F238E27FC236}">
+                <a16:creationId xmlns:a16="http://schemas.microsoft.com/office/drawing/2014/main" id="{C87DF389-084E-D442-555D-7147818C61C8}"/>
+              </a:ext>
+            </a:extLst>
+          </p:cNvPr>
+          <p:cNvSpPr>
+            <a:spLocks noGrp="1"/>
+          </p:cNvSpPr>
+          <p:nvPr>
+            <p:ph type="sldNum" sz="quarter" idx="12"/>
+          </p:nvPr>
+        </p:nvSpPr>
+        <p:spPr/>
+        <p:txBody>
+          <a:bodyPr/>
+          <a:lstStyle/>
+          <a:p>
+            <a:fld id="{4854181D-6920-4594-9A5D-6CE56DC9F8B2}" type="slidenum">
+              <a:rPr lang="en-US" smtClean="0"/>
+              <a:t>12</a:t>
+            </a:fld>
+            <a:endParaRPr lang="en-US"/>
+          </a:p>
+        </p:txBody>
+      </p:sp>
+      <p:pic>
+        <p:nvPicPr>
+          <p:cNvPr id="8" name="Picture 8">
+            <a:extLst>
+              <a:ext uri="{FF2B5EF4-FFF2-40B4-BE49-F238E27FC236}">
+                <a16:creationId xmlns:a16="http://schemas.microsoft.com/office/drawing/2014/main" id="{7E921828-D1E6-4C0F-B743-3095B0874A8D}"/>
+              </a:ext>
+            </a:extLst>
+          </p:cNvPr>
+          <p:cNvPicPr>
+            <a:picLocks noChangeAspect="1"/>
+          </p:cNvPicPr>
+          <p:nvPr/>
+        </p:nvPicPr>
+        <p:blipFill>
+          <a:blip r:embed="rId2"/>
+          <a:stretch>
+            <a:fillRect/>
+          </a:stretch>
+        </p:blipFill>
+        <p:spPr>
+          <a:xfrm>
+            <a:off x="6470351" y="2377599"/>
+            <a:ext cx="2743200" cy="1645920"/>
+          </a:xfrm>
+          <a:prstGeom prst="rect">
+            <a:avLst/>
+          </a:prstGeom>
+        </p:spPr>
+      </p:pic>
+    </p:spTree>
+    <p:extLst>
+      <p:ext uri="{BB962C8B-B14F-4D97-AF65-F5344CB8AC3E}">
+        <p14:creationId xmlns:p14="http://schemas.microsoft.com/office/powerpoint/2010/main" val="2334673890"/>
+      </p:ext>
+    </p:extLst>
+  </p:cSld>
+  <p:clrMapOvr>
+    <a:masterClrMapping/>
+  </p:clrMapOvr>
+</p:sld>
+</file>
+
+<file path=ppt/slides/slide13.xml><?xml version="1.0" encoding="utf-8"?>
 <p:sld xmlns:a="http://schemas.openxmlformats.org/drawingml/2006/main" xmlns:r="http://schemas.openxmlformats.org/officeDocument/2006/relationships" xmlns:p="http://schemas.openxmlformats.org/presentationml/2006/main">
   <p:cSld>
     <p:bg>
@@ -11692,6 +12461,30 @@
           <a:chExt cx="0" cy="0"/>
         </a:xfrm>
       </p:grpSpPr>
+      <p:pic>
+        <p:nvPicPr>
+          <p:cNvPr id="6" name="Image 5"/>
+          <p:cNvPicPr>
+            <a:picLocks noChangeAspect="1"/>
+          </p:cNvPicPr>
+          <p:nvPr/>
+        </p:nvPicPr>
+        <p:blipFill>
+          <a:blip r:embed="rId2"/>
+          <a:stretch>
+            <a:fillRect/>
+          </a:stretch>
+        </p:blipFill>
+        <p:spPr>
+          <a:xfrm>
+            <a:off x="5168713" y="0"/>
+            <a:ext cx="7023287" cy="6858004"/>
+          </a:xfrm>
+          <a:prstGeom prst="rect">
+            <a:avLst/>
+          </a:prstGeom>
+        </p:spPr>
+      </p:pic>
       <p:sp>
         <p:nvSpPr>
           <p:cNvPr id="14" name="Freeform: Shape 13">
@@ -11700,7 +12493,7 @@
                 <a16:creationId xmlns:a16="http://schemas.microsoft.com/office/drawing/2014/main" id="{8A7BA06D-B3FF-4E91-8639-B4569AE3AA23}"/>
               </a:ext>
               <a:ext uri="{C183D7F6-B498-43B3-948B-1728B52AA6E4}">
-                <adec:decorative xmlns:adec="http://schemas.microsoft.com/office/drawing/2017/decorative" val="1"/>
+                <adec:decorative xmlns:adec="http://schemas.microsoft.com/office/drawing/2017/decorative" xmlns="" val="1"/>
               </a:ext>
             </a:extLst>
           </p:cNvPr>
@@ -11822,7 +12615,7 @@
                 <a16:creationId xmlns:a16="http://schemas.microsoft.com/office/drawing/2014/main" id="{2B30C86D-5A07-48BC-9C9D-6F9A2DB1E9E1}"/>
               </a:ext>
               <a:ext uri="{C183D7F6-B498-43B3-948B-1728B52AA6E4}">
-                <adec:decorative xmlns:adec="http://schemas.microsoft.com/office/drawing/2017/decorative" val="1"/>
+                <adec:decorative xmlns:adec="http://schemas.microsoft.com/office/drawing/2017/decorative" xmlns="" val="1"/>
               </a:ext>
             </a:extLst>
           </p:cNvPr>
@@ -11904,37 +12697,6 @@
           </a:p>
         </p:txBody>
       </p:sp>
-      <p:pic>
-        <p:nvPicPr>
-          <p:cNvPr id="9" name="Picture 9">
-            <a:extLst>
-              <a:ext uri="{FF2B5EF4-FFF2-40B4-BE49-F238E27FC236}">
-                <a16:creationId xmlns:a16="http://schemas.microsoft.com/office/drawing/2014/main" id="{638C0771-F142-8DC3-95F7-F30740FC4A82}"/>
-              </a:ext>
-            </a:extLst>
-          </p:cNvPr>
-          <p:cNvPicPr>
-            <a:picLocks noGrp="1" noChangeAspect="1"/>
-          </p:cNvPicPr>
-          <p:nvPr>
-            <p:ph idx="1"/>
-          </p:nvPr>
-        </p:nvPicPr>
-        <p:blipFill rotWithShape="1">
-          <a:blip r:embed="rId2"/>
-          <a:srcRect r="44398" b="1"/>
-          <a:stretch/>
-        </p:blipFill>
-        <p:spPr>
-          <a:xfrm>
-            <a:off x="5101771" y="10"/>
-            <a:ext cx="7094361" cy="6857989"/>
-          </a:xfrm>
-          <a:prstGeom prst="rect">
-            <a:avLst/>
-          </a:prstGeom>
-        </p:spPr>
-      </p:pic>
       <p:sp>
         <p:nvSpPr>
           <p:cNvPr id="18" name="Rectangle 17">
@@ -11943,7 +12705,7 @@
                 <a16:creationId xmlns:a16="http://schemas.microsoft.com/office/drawing/2014/main" id="{A34066D6-1B59-4642-A86D-39464CEE971B}"/>
               </a:ext>
               <a:ext uri="{C183D7F6-B498-43B3-948B-1728B52AA6E4}">
-                <adec:decorative xmlns:adec="http://schemas.microsoft.com/office/drawing/2017/decorative" val="1"/>
+                <adec:decorative xmlns:adec="http://schemas.microsoft.com/office/drawing/2017/decorative" xmlns="" val="1"/>
               </a:ext>
             </a:extLst>
           </p:cNvPr>
@@ -12035,7 +12797,7 @@
                 <a16:creationId xmlns:a16="http://schemas.microsoft.com/office/drawing/2014/main" id="{18E928D9-3091-4385-B979-265D55AD02CE}"/>
               </a:ext>
               <a:ext uri="{C183D7F6-B498-43B3-948B-1728B52AA6E4}">
-                <adec:decorative xmlns:adec="http://schemas.microsoft.com/office/drawing/2017/decorative" val="1"/>
+                <adec:decorative xmlns:adec="http://schemas.microsoft.com/office/drawing/2017/decorative" xmlns="" val="1"/>
               </a:ext>
             </a:extLst>
           </p:cNvPr>
@@ -12152,7 +12914,7 @@
           <a:p>
             <a:pPr algn="ctr"/>
             <a:r>
-              <a:rPr lang="en-US" sz="6000" kern="1200">
+              <a:rPr lang="en-US" sz="6000" kern="1200" dirty="0" err="1">
                 <a:solidFill>
                   <a:srgbClr val="FFFFFF"/>
                 </a:solidFill>
@@ -12162,6 +12924,14 @@
               </a:rPr>
               <a:t>Réalisation</a:t>
             </a:r>
+            <a:endParaRPr lang="en-US" sz="6000" kern="1200" dirty="0">
+              <a:solidFill>
+                <a:srgbClr val="FFFFFF"/>
+              </a:solidFill>
+              <a:latin typeface="+mj-lt"/>
+              <a:ea typeface="+mj-ea"/>
+              <a:cs typeface="+mj-cs"/>
+            </a:endParaRPr>
           </a:p>
         </p:txBody>
       </p:sp>
@@ -12173,7 +12943,7 @@
                 <a16:creationId xmlns:a16="http://schemas.microsoft.com/office/drawing/2014/main" id="{7D602432-D774-4CF5-94E8-7D52D01059D2}"/>
               </a:ext>
               <a:ext uri="{C183D7F6-B498-43B3-948B-1728B52AA6E4}">
-                <adec:decorative xmlns:adec="http://schemas.microsoft.com/office/drawing/2017/decorative" val="1"/>
+                <adec:decorative xmlns:adec="http://schemas.microsoft.com/office/drawing/2017/decorative" xmlns="" val="1"/>
               </a:ext>
             </a:extLst>
           </p:cNvPr>
@@ -12267,7 +13037,7 @@
                 <a16:creationId xmlns:a16="http://schemas.microsoft.com/office/drawing/2014/main" id="{CBF9EBB4-5078-47B2-AAA0-DF4A88D8182A}"/>
               </a:ext>
               <a:ext uri="{C183D7F6-B498-43B3-948B-1728B52AA6E4}">
-                <adec:decorative xmlns:adec="http://schemas.microsoft.com/office/drawing/2017/decorative" val="1"/>
+                <adec:decorative xmlns:adec="http://schemas.microsoft.com/office/drawing/2017/decorative" xmlns="" val="1"/>
               </a:ext>
             </a:extLst>
           </p:cNvPr>
@@ -12452,7 +13222,7 @@
                 </a:spcAft>
                 <a:defRPr/>
               </a:pPr>
-              <a:t>12</a:t>
+              <a:t>13</a:t>
             </a:fld>
             <a:endParaRPr lang="en-US">
               <a:solidFill>
@@ -12476,7 +13246,7 @@
 </p:sld>
 </file>
 
-<file path=ppt/slides/slide13.xml><?xml version="1.0" encoding="utf-8"?>
+<file path=ppt/slides/slide14.xml><?xml version="1.0" encoding="utf-8"?>
 <p:sld xmlns:a="http://schemas.openxmlformats.org/drawingml/2006/main" xmlns:r="http://schemas.openxmlformats.org/officeDocument/2006/relationships" xmlns:p="http://schemas.openxmlformats.org/presentationml/2006/main">
   <p:cSld>
     <p:bg>
@@ -12509,7 +13279,7 @@
                 <a16:creationId xmlns:a16="http://schemas.microsoft.com/office/drawing/2014/main" id="{8A7BA06D-B3FF-4E91-8639-B4569AE3AA23}"/>
               </a:ext>
               <a:ext uri="{C183D7F6-B498-43B3-948B-1728B52AA6E4}">
-                <adec:decorative xmlns:adec="http://schemas.microsoft.com/office/drawing/2017/decorative" val="1"/>
+                <adec:decorative xmlns:adec="http://schemas.microsoft.com/office/drawing/2017/decorative" xmlns="" val="1"/>
               </a:ext>
             </a:extLst>
           </p:cNvPr>
@@ -12631,7 +13401,7 @@
                 <a16:creationId xmlns:a16="http://schemas.microsoft.com/office/drawing/2014/main" id="{2B30C86D-5A07-48BC-9C9D-6F9A2DB1E9E1}"/>
               </a:ext>
               <a:ext uri="{C183D7F6-B498-43B3-948B-1728B52AA6E4}">
-                <adec:decorative xmlns:adec="http://schemas.microsoft.com/office/drawing/2017/decorative" val="1"/>
+                <adec:decorative xmlns:adec="http://schemas.microsoft.com/office/drawing/2017/decorative" xmlns="" val="1"/>
               </a:ext>
             </a:extLst>
           </p:cNvPr>
@@ -12721,7 +13491,7 @@
                 <a16:creationId xmlns:a16="http://schemas.microsoft.com/office/drawing/2014/main" id="{3301E07F-4F79-4B58-8698-EF24DC1ECDBF}"/>
               </a:ext>
               <a:ext uri="{C183D7F6-B498-43B3-948B-1728B52AA6E4}">
-                <adec:decorative xmlns:adec="http://schemas.microsoft.com/office/drawing/2017/decorative" val="1"/>
+                <adec:decorative xmlns:adec="http://schemas.microsoft.com/office/drawing/2017/decorative" xmlns="" val="1"/>
               </a:ext>
             </a:extLst>
           </p:cNvPr>
@@ -12813,7 +13583,7 @@
                 <a16:creationId xmlns:a16="http://schemas.microsoft.com/office/drawing/2014/main" id="{E58B2195-5055-402F-A3E7-53FF0E4980C3}"/>
               </a:ext>
               <a:ext uri="{C183D7F6-B498-43B3-948B-1728B52AA6E4}">
-                <adec:decorative xmlns:adec="http://schemas.microsoft.com/office/drawing/2017/decorative" val="1"/>
+                <adec:decorative xmlns:adec="http://schemas.microsoft.com/office/drawing/2017/decorative" xmlns="" val="1"/>
               </a:ext>
             </a:extLst>
           </p:cNvPr>
@@ -13002,7 +13772,7 @@
                 <a16:creationId xmlns:a16="http://schemas.microsoft.com/office/drawing/2014/main" id="{9EE6F773-742A-491A-9A00-A2A150DF500A}"/>
               </a:ext>
               <a:ext uri="{C183D7F6-B498-43B3-948B-1728B52AA6E4}">
-                <adec:decorative xmlns:adec="http://schemas.microsoft.com/office/drawing/2017/decorative" val="1"/>
+                <adec:decorative xmlns:adec="http://schemas.microsoft.com/office/drawing/2017/decorative" xmlns="" val="1"/>
               </a:ext>
             </a:extLst>
           </p:cNvPr>
@@ -13204,7 +13974,7 @@
                   <a:spcPts val="600"/>
                 </a:spcAft>
               </a:pPr>
-              <a:t>13</a:t>
+              <a:t>14</a:t>
             </a:fld>
             <a:endParaRPr lang="en-US">
               <a:solidFill>
@@ -13227,7 +13997,7 @@
 </p:sld>
 </file>
 
-<file path=ppt/slides/slide14.xml><?xml version="1.0" encoding="utf-8"?>
+<file path=ppt/slides/slide15.xml><?xml version="1.0" encoding="utf-8"?>
 <p:sld xmlns:a="http://schemas.openxmlformats.org/drawingml/2006/main" xmlns:r="http://schemas.openxmlformats.org/officeDocument/2006/relationships" xmlns:p="http://schemas.openxmlformats.org/presentationml/2006/main">
   <p:cSld>
     <p:spTree>
@@ -13311,12 +14081,26 @@
               <a:rPr lang="en-US" dirty="0" err="1"/>
               <a:t>Uwamp</a:t>
             </a:r>
-            <a:endParaRPr lang="en-US"/>
+            <a:endParaRPr lang="en-US" dirty="0"/>
           </a:p>
           <a:p>
             <a:r>
               <a:rPr lang="en-US" dirty="0"/>
-              <a:t>Laravel Dusk (Chrome version)</a:t>
+              <a:t>Images</a:t>
+            </a:r>
+          </a:p>
+          <a:p>
+            <a:r>
+              <a:rPr lang="en-US" dirty="0" err="1" smtClean="0"/>
+              <a:t>Laravel</a:t>
+            </a:r>
+            <a:r>
+              <a:rPr lang="en-US" dirty="0" smtClean="0"/>
+              <a:t> </a:t>
+            </a:r>
+            <a:r>
+              <a:rPr lang="en-US" dirty="0"/>
+              <a:t>Dusk (Chrome version)</a:t>
             </a:r>
           </a:p>
           <a:p>
@@ -13350,9 +14134,13 @@
           </a:p>
           <a:p>
             <a:r>
-              <a:rPr lang="en-US" dirty="0"/>
+              <a:rPr lang="en-US" dirty="0" err="1" smtClean="0"/>
               <a:t>Heroku</a:t>
             </a:r>
+            <a:endParaRPr lang="en-US" dirty="0" smtClean="0"/>
+          </a:p>
+          <a:p>
+            <a:endParaRPr lang="en-US" dirty="0"/>
           </a:p>
         </p:txBody>
       </p:sp>
@@ -13407,7 +14195,7 @@
           <a:p>
             <a:fld id="{4854181D-6920-4594-9A5D-6CE56DC9F8B2}" type="slidenum">
               <a:rPr lang="en-US" smtClean="0"/>
-              <a:t>14</a:t>
+              <a:t>15</a:t>
             </a:fld>
             <a:endParaRPr lang="en-US"/>
           </a:p>
@@ -13428,7 +14216,7 @@
           <p:nvPr/>
         </p:nvPicPr>
         <p:blipFill>
-          <a:blip r:embed="rId2"/>
+          <a:blip r:embed="rId3"/>
           <a:stretch>
             <a:fillRect/>
           </a:stretch>
@@ -13458,7 +14246,7 @@
           <p:nvPr/>
         </p:nvPicPr>
         <p:blipFill>
-          <a:blip r:embed="rId3"/>
+          <a:blip r:embed="rId4"/>
           <a:stretch>
             <a:fillRect/>
           </a:stretch>
@@ -13532,7 +14320,7 @@
           <p:nvPr/>
         </p:nvPicPr>
         <p:blipFill>
-          <a:blip r:embed="rId4"/>
+          <a:blip r:embed="rId5"/>
           <a:stretch>
             <a:fillRect/>
           </a:stretch>
@@ -13562,14 +14350,14 @@
           <p:nvPr/>
         </p:nvPicPr>
         <p:blipFill>
-          <a:blip r:embed="rId5"/>
+          <a:blip r:embed="rId6"/>
           <a:stretch>
             <a:fillRect/>
           </a:stretch>
         </p:blipFill>
         <p:spPr>
           <a:xfrm>
-            <a:off x="6415668" y="3612581"/>
+            <a:off x="6380498" y="3849544"/>
             <a:ext cx="2743200" cy="803716"/>
           </a:xfrm>
           <a:prstGeom prst="rect">
@@ -13590,7 +14378,7 @@
 </p:sld>
 </file>
 
-<file path=ppt/slides/slide15.xml><?xml version="1.0" encoding="utf-8"?>
+<file path=ppt/slides/slide16.xml><?xml version="1.0" encoding="utf-8"?>
 <p:sld xmlns:a="http://schemas.openxmlformats.org/drawingml/2006/main" xmlns:r="http://schemas.openxmlformats.org/officeDocument/2006/relationships" xmlns:p="http://schemas.openxmlformats.org/presentationml/2006/main">
   <p:cSld>
     <p:bg>
@@ -13623,7 +14411,7 @@
                 <a16:creationId xmlns:a16="http://schemas.microsoft.com/office/drawing/2014/main" id="{8A7BA06D-B3FF-4E91-8639-B4569AE3AA23}"/>
               </a:ext>
               <a:ext uri="{C183D7F6-B498-43B3-948B-1728B52AA6E4}">
-                <adec:decorative xmlns:adec="http://schemas.microsoft.com/office/drawing/2017/decorative" val="1"/>
+                <adec:decorative xmlns:adec="http://schemas.microsoft.com/office/drawing/2017/decorative" xmlns="" val="1"/>
               </a:ext>
             </a:extLst>
           </p:cNvPr>
@@ -13745,7 +14533,7 @@
                 <a16:creationId xmlns:a16="http://schemas.microsoft.com/office/drawing/2014/main" id="{2B30C86D-5A07-48BC-9C9D-6F9A2DB1E9E1}"/>
               </a:ext>
               <a:ext uri="{C183D7F6-B498-43B3-948B-1728B52AA6E4}">
-                <adec:decorative xmlns:adec="http://schemas.microsoft.com/office/drawing/2017/decorative" val="1"/>
+                <adec:decorative xmlns:adec="http://schemas.microsoft.com/office/drawing/2017/decorative" xmlns="" val="1"/>
               </a:ext>
             </a:extLst>
           </p:cNvPr>
@@ -13835,7 +14623,7 @@
                 <a16:creationId xmlns:a16="http://schemas.microsoft.com/office/drawing/2014/main" id="{3F138222-D274-4866-96E7-C3B1D6DA8CEE}"/>
               </a:ext>
               <a:ext uri="{C183D7F6-B498-43B3-948B-1728B52AA6E4}">
-                <adec:decorative xmlns:adec="http://schemas.microsoft.com/office/drawing/2017/decorative" val="1"/>
+                <adec:decorative xmlns:adec="http://schemas.microsoft.com/office/drawing/2017/decorative" xmlns="" val="1"/>
               </a:ext>
             </a:extLst>
           </p:cNvPr>
@@ -13927,7 +14715,7 @@
                 <a16:creationId xmlns:a16="http://schemas.microsoft.com/office/drawing/2014/main" id="{5888E255-D20B-4F26-B9DA-3DF036797008}"/>
               </a:ext>
               <a:ext uri="{C183D7F6-B498-43B3-948B-1728B52AA6E4}">
-                <adec:decorative xmlns:adec="http://schemas.microsoft.com/office/drawing/2017/decorative" val="1"/>
+                <adec:decorative xmlns:adec="http://schemas.microsoft.com/office/drawing/2017/decorative" xmlns="" val="1"/>
               </a:ext>
             </a:extLst>
           </p:cNvPr>
@@ -14066,7 +14854,7 @@
                 <a16:creationId xmlns:a16="http://schemas.microsoft.com/office/drawing/2014/main" id="{02AD46D6-02D6-45B3-921C-F4033826EFA7}"/>
               </a:ext>
               <a:ext uri="{C183D7F6-B498-43B3-948B-1728B52AA6E4}">
-                <adec:decorative xmlns:adec="http://schemas.microsoft.com/office/drawing/2017/decorative" val="1"/>
+                <adec:decorative xmlns:adec="http://schemas.microsoft.com/office/drawing/2017/decorative" xmlns="" val="1"/>
               </a:ext>
             </a:extLst>
           </p:cNvPr>
@@ -14173,7 +14961,7 @@
                 <a14:useLocalDpi xmlns:a14="http://schemas.microsoft.com/office/drawing/2010/main" val="0"/>
               </a:ext>
               <a:ext uri="{96DAC541-7B7A-43D3-8B79-37D633B846F1}">
-                <asvg:svgBlip xmlns:asvg="http://schemas.microsoft.com/office/drawing/2016/SVG/main" r:embed="rId3"/>
+                <asvg:svgBlip xmlns:asvg="http://schemas.microsoft.com/office/drawing/2016/SVG/main" xmlns="" r:embed="rId3"/>
               </a:ext>
             </a:extLst>
           </a:blip>
@@ -14329,7 +15117,7 @@
                   <a:spcPts val="600"/>
                 </a:spcAft>
               </a:pPr>
-              <a:t>15</a:t>
+              <a:t>16</a:t>
             </a:fld>
             <a:endParaRPr lang="en-US">
               <a:solidFill>
@@ -14385,7 +15173,7 @@
                 <a16:creationId xmlns:a16="http://schemas.microsoft.com/office/drawing/2014/main" id="{AE2B703B-46F9-481A-A605-82E2A828C4FA}"/>
               </a:ext>
               <a:ext uri="{C183D7F6-B498-43B3-948B-1728B52AA6E4}">
-                <adec:decorative xmlns:adec="http://schemas.microsoft.com/office/drawing/2017/decorative" val="1"/>
+                <adec:decorative xmlns:adec="http://schemas.microsoft.com/office/drawing/2017/decorative" xmlns="" val="1"/>
               </a:ext>
             </a:extLst>
           </p:cNvPr>
@@ -14517,7 +15305,7 @@
                 <a16:creationId xmlns:a16="http://schemas.microsoft.com/office/drawing/2014/main" id="{F13BE4D7-0C3D-4906-B230-A1C5B4665CCF}"/>
               </a:ext>
               <a:ext uri="{C183D7F6-B498-43B3-948B-1728B52AA6E4}">
-                <adec:decorative xmlns:adec="http://schemas.microsoft.com/office/drawing/2017/decorative" val="1"/>
+                <adec:decorative xmlns:adec="http://schemas.microsoft.com/office/drawing/2017/decorative" xmlns="" val="1"/>
               </a:ext>
             </a:extLst>
           </p:cNvPr>
@@ -14722,7 +15510,7 @@
             <p:ph idx="1"/>
             <p:extLst>
               <p:ext uri="{D42A27DB-BD31-4B8C-83A1-F6EECF244321}">
-                <p14:modId xmlns:p14="http://schemas.microsoft.com/office/powerpoint/2010/main" val="2416676849"/>
+                <p14:modId xmlns:p14="http://schemas.microsoft.com/office/powerpoint/2010/main" val="1022001264"/>
               </p:ext>
             </p:extLst>
           </p:nvPr>
@@ -14783,7 +15571,7 @@
                 <a16:creationId xmlns:a16="http://schemas.microsoft.com/office/drawing/2014/main" id="{F837543A-6020-4505-A233-C9DB4BF74011}"/>
               </a:ext>
               <a:ext uri="{C183D7F6-B498-43B3-948B-1728B52AA6E4}">
-                <adec:decorative xmlns:adec="http://schemas.microsoft.com/office/drawing/2017/decorative" val="1"/>
+                <adec:decorative xmlns:adec="http://schemas.microsoft.com/office/drawing/2017/decorative" xmlns="" val="1"/>
               </a:ext>
             </a:extLst>
           </p:cNvPr>
@@ -14901,7 +15689,7 @@
                 <a16:creationId xmlns:a16="http://schemas.microsoft.com/office/drawing/2014/main" id="{35B16301-FB18-48BA-A6DD-C37CAF6F9A18}"/>
               </a:ext>
               <a:ext uri="{C183D7F6-B498-43B3-948B-1728B52AA6E4}">
-                <adec:decorative xmlns:adec="http://schemas.microsoft.com/office/drawing/2017/decorative" val="1"/>
+                <adec:decorative xmlns:adec="http://schemas.microsoft.com/office/drawing/2017/decorative" xmlns="" val="1"/>
               </a:ext>
             </a:extLst>
           </p:cNvPr>
@@ -15123,7 +15911,7 @@
                 <a16:creationId xmlns:a16="http://schemas.microsoft.com/office/drawing/2014/main" id="{C3C0D90E-074A-4F52-9B11-B52BEF4BCBE5}"/>
               </a:ext>
               <a:ext uri="{C183D7F6-B498-43B3-948B-1728B52AA6E4}">
-                <adec:decorative xmlns:adec="http://schemas.microsoft.com/office/drawing/2017/decorative" val="1"/>
+                <adec:decorative xmlns:adec="http://schemas.microsoft.com/office/drawing/2017/decorative" xmlns="" val="1"/>
               </a:ext>
             </a:extLst>
           </p:cNvPr>
@@ -15215,7 +16003,7 @@
                 <a16:creationId xmlns:a16="http://schemas.microsoft.com/office/drawing/2014/main" id="{CABBD4C1-E6F8-46F6-8152-A8A97490BF4D}"/>
               </a:ext>
               <a:ext uri="{C183D7F6-B498-43B3-948B-1728B52AA6E4}">
-                <adec:decorative xmlns:adec="http://schemas.microsoft.com/office/drawing/2017/decorative" val="1"/>
+                <adec:decorative xmlns:adec="http://schemas.microsoft.com/office/drawing/2017/decorative" xmlns="" val="1"/>
               </a:ext>
             </a:extLst>
           </p:cNvPr>
@@ -15307,7 +16095,7 @@
                 <a16:creationId xmlns:a16="http://schemas.microsoft.com/office/drawing/2014/main" id="{83BA5EF5-1FE9-4BF9-83BB-269BCDDF6156}"/>
               </a:ext>
               <a:ext uri="{C183D7F6-B498-43B3-948B-1728B52AA6E4}">
-                <adec:decorative xmlns:adec="http://schemas.microsoft.com/office/drawing/2017/decorative" val="1"/>
+                <adec:decorative xmlns:adec="http://schemas.microsoft.com/office/drawing/2017/decorative" xmlns="" val="1"/>
               </a:ext>
             </a:extLst>
           </p:cNvPr>
@@ -15500,7 +16288,7 @@
                 <a16:creationId xmlns:a16="http://schemas.microsoft.com/office/drawing/2014/main" id="{4B3BCACB-5880-460B-9606-8C433A9AF99D}"/>
               </a:ext>
               <a:ext uri="{C183D7F6-B498-43B3-948B-1728B52AA6E4}">
-                <adec:decorative xmlns:adec="http://schemas.microsoft.com/office/drawing/2017/decorative" val="1"/>
+                <adec:decorative xmlns:adec="http://schemas.microsoft.com/office/drawing/2017/decorative" xmlns="" val="1"/>
               </a:ext>
             </a:extLst>
           </p:cNvPr>
@@ -15553,7 +16341,7 @@
                 <a16:creationId xmlns:a16="http://schemas.microsoft.com/office/drawing/2014/main" id="{88853921-7BC9-4BDE-ACAB-133C683C82D6}"/>
               </a:ext>
               <a:ext uri="{C183D7F6-B498-43B3-948B-1728B52AA6E4}">
-                <adec:decorative xmlns:adec="http://schemas.microsoft.com/office/drawing/2017/decorative" val="1"/>
+                <adec:decorative xmlns:adec="http://schemas.microsoft.com/office/drawing/2017/decorative" xmlns="" val="1"/>
               </a:ext>
             </a:extLst>
           </p:cNvPr>
@@ -15734,7 +16522,7 @@
                 <a16:creationId xmlns:a16="http://schemas.microsoft.com/office/drawing/2014/main" id="{09192968-3AE7-4470-A61C-97294BB92731}"/>
               </a:ext>
               <a:ext uri="{C183D7F6-B498-43B3-948B-1728B52AA6E4}">
-                <adec:decorative xmlns:adec="http://schemas.microsoft.com/office/drawing/2017/decorative" val="1"/>
+                <adec:decorative xmlns:adec="http://schemas.microsoft.com/office/drawing/2017/decorative" xmlns="" val="1"/>
               </a:ext>
             </a:extLst>
           </p:cNvPr>
@@ -15824,7 +16612,7 @@
                 <a16:creationId xmlns:a16="http://schemas.microsoft.com/office/drawing/2014/main" id="{3AB72E55-43E4-4356-BFE8-E2102CB0B505}"/>
               </a:ext>
               <a:ext uri="{C183D7F6-B498-43B3-948B-1728B52AA6E4}">
-                <adec:decorative xmlns:adec="http://schemas.microsoft.com/office/drawing/2017/decorative" val="1"/>
+                <adec:decorative xmlns:adec="http://schemas.microsoft.com/office/drawing/2017/decorative" xmlns="" val="1"/>
               </a:ext>
             </a:extLst>
           </p:cNvPr>
@@ -16300,7 +17088,7 @@
                 <a16:creationId xmlns:a16="http://schemas.microsoft.com/office/drawing/2014/main" id="{8A7BA06D-B3FF-4E91-8639-B4569AE3AA23}"/>
               </a:ext>
               <a:ext uri="{C183D7F6-B498-43B3-948B-1728B52AA6E4}">
-                <adec:decorative xmlns:adec="http://schemas.microsoft.com/office/drawing/2017/decorative" val="1"/>
+                <adec:decorative xmlns:adec="http://schemas.microsoft.com/office/drawing/2017/decorative" xmlns="" val="1"/>
               </a:ext>
             </a:extLst>
           </p:cNvPr>
@@ -16422,7 +17210,7 @@
                 <a16:creationId xmlns:a16="http://schemas.microsoft.com/office/drawing/2014/main" id="{2B30C86D-5A07-48BC-9C9D-6F9A2DB1E9E1}"/>
               </a:ext>
               <a:ext uri="{C183D7F6-B498-43B3-948B-1728B52AA6E4}">
-                <adec:decorative xmlns:adec="http://schemas.microsoft.com/office/drawing/2017/decorative" val="1"/>
+                <adec:decorative xmlns:adec="http://schemas.microsoft.com/office/drawing/2017/decorative" xmlns="" val="1"/>
               </a:ext>
             </a:extLst>
           </p:cNvPr>
@@ -16512,7 +17300,7 @@
                 <a16:creationId xmlns:a16="http://schemas.microsoft.com/office/drawing/2014/main" id="{3F138222-D274-4866-96E7-C3B1D6DA8CEE}"/>
               </a:ext>
               <a:ext uri="{C183D7F6-B498-43B3-948B-1728B52AA6E4}">
-                <adec:decorative xmlns:adec="http://schemas.microsoft.com/office/drawing/2017/decorative" val="1"/>
+                <adec:decorative xmlns:adec="http://schemas.microsoft.com/office/drawing/2017/decorative" xmlns="" val="1"/>
               </a:ext>
             </a:extLst>
           </p:cNvPr>
@@ -16604,7 +17392,7 @@
                 <a16:creationId xmlns:a16="http://schemas.microsoft.com/office/drawing/2014/main" id="{5888E255-D20B-4F26-B9DA-3DF036797008}"/>
               </a:ext>
               <a:ext uri="{C183D7F6-B498-43B3-948B-1728B52AA6E4}">
-                <adec:decorative xmlns:adec="http://schemas.microsoft.com/office/drawing/2017/decorative" val="1"/>
+                <adec:decorative xmlns:adec="http://schemas.microsoft.com/office/drawing/2017/decorative" xmlns="" val="1"/>
               </a:ext>
             </a:extLst>
           </p:cNvPr>
@@ -16743,7 +17531,7 @@
                 <a16:creationId xmlns:a16="http://schemas.microsoft.com/office/drawing/2014/main" id="{02AD46D6-02D6-45B3-921C-F4033826EFA7}"/>
               </a:ext>
               <a:ext uri="{C183D7F6-B498-43B3-948B-1728B52AA6E4}">
-                <adec:decorative xmlns:adec="http://schemas.microsoft.com/office/drawing/2017/decorative" val="1"/>
+                <adec:decorative xmlns:adec="http://schemas.microsoft.com/office/drawing/2017/decorative" xmlns="" val="1"/>
               </a:ext>
             </a:extLst>
           </p:cNvPr>
@@ -17055,7 +17843,7 @@
                 <a16:creationId xmlns:a16="http://schemas.microsoft.com/office/drawing/2014/main" id="{8A7BA06D-B3FF-4E91-8639-B4569AE3AA23}"/>
               </a:ext>
               <a:ext uri="{C183D7F6-B498-43B3-948B-1728B52AA6E4}">
-                <adec:decorative xmlns:adec="http://schemas.microsoft.com/office/drawing/2017/decorative" val="1"/>
+                <adec:decorative xmlns:adec="http://schemas.microsoft.com/office/drawing/2017/decorative" xmlns="" val="1"/>
               </a:ext>
             </a:extLst>
           </p:cNvPr>
@@ -17177,7 +17965,7 @@
                 <a16:creationId xmlns:a16="http://schemas.microsoft.com/office/drawing/2014/main" id="{2B30C86D-5A07-48BC-9C9D-6F9A2DB1E9E1}"/>
               </a:ext>
               <a:ext uri="{C183D7F6-B498-43B3-948B-1728B52AA6E4}">
-                <adec:decorative xmlns:adec="http://schemas.microsoft.com/office/drawing/2017/decorative" val="1"/>
+                <adec:decorative xmlns:adec="http://schemas.microsoft.com/office/drawing/2017/decorative" xmlns="" val="1"/>
               </a:ext>
             </a:extLst>
           </p:cNvPr>
@@ -17267,7 +18055,7 @@
                 <a16:creationId xmlns:a16="http://schemas.microsoft.com/office/drawing/2014/main" id="{A1D7EC86-7CB9-431D-8AC3-8AAF0440B162}"/>
               </a:ext>
               <a:ext uri="{C183D7F6-B498-43B3-948B-1728B52AA6E4}">
-                <adec:decorative xmlns:adec="http://schemas.microsoft.com/office/drawing/2017/decorative" val="1"/>
+                <adec:decorative xmlns:adec="http://schemas.microsoft.com/office/drawing/2017/decorative" xmlns="" val="1"/>
               </a:ext>
             </a:extLst>
           </p:cNvPr>
@@ -17356,7 +18144,7 @@
                 <a16:creationId xmlns:a16="http://schemas.microsoft.com/office/drawing/2014/main" id="{D4B9777F-B610-419B-9193-80306388F3E2}"/>
               </a:ext>
               <a:ext uri="{C183D7F6-B498-43B3-948B-1728B52AA6E4}">
-                <adec:decorative xmlns:adec="http://schemas.microsoft.com/office/drawing/2017/decorative" val="1"/>
+                <adec:decorative xmlns:adec="http://schemas.microsoft.com/office/drawing/2017/decorative" xmlns="" val="1"/>
               </a:ext>
             </a:extLst>
           </p:cNvPr>
@@ -17445,7 +18233,7 @@
                 <a16:creationId xmlns:a16="http://schemas.microsoft.com/office/drawing/2014/main" id="{311F016A-A753-449B-9EA6-322199B7119E}"/>
               </a:ext>
               <a:ext uri="{C183D7F6-B498-43B3-948B-1728B52AA6E4}">
-                <adec:decorative xmlns:adec="http://schemas.microsoft.com/office/drawing/2017/decorative" val="1"/>
+                <adec:decorative xmlns:adec="http://schemas.microsoft.com/office/drawing/2017/decorative" xmlns="" val="1"/>
               </a:ext>
             </a:extLst>
           </p:cNvPr>
@@ -17699,7 +18487,7 @@
                 <a16:creationId xmlns:a16="http://schemas.microsoft.com/office/drawing/2014/main" id="{95106A28-883A-4993-BF9E-C403B81A8D66}"/>
               </a:ext>
               <a:ext uri="{C183D7F6-B498-43B3-948B-1728B52AA6E4}">
-                <adec:decorative xmlns:adec="http://schemas.microsoft.com/office/drawing/2017/decorative" val="1"/>
+                <adec:decorative xmlns:adec="http://schemas.microsoft.com/office/drawing/2017/decorative" xmlns="" val="1"/>
               </a:ext>
             </a:extLst>
           </p:cNvPr>
@@ -17792,7 +18580,7 @@
                 <a16:creationId xmlns:a16="http://schemas.microsoft.com/office/drawing/2014/main" id="{F5AE4E4F-9F4C-43ED-8299-9BD63B74E8F0}"/>
               </a:ext>
               <a:ext uri="{C183D7F6-B498-43B3-948B-1728B52AA6E4}">
-                <adec:decorative xmlns:adec="http://schemas.microsoft.com/office/drawing/2017/decorative" val="1"/>
+                <adec:decorative xmlns:adec="http://schemas.microsoft.com/office/drawing/2017/decorative" xmlns="" val="1"/>
               </a:ext>
             </a:extLst>
           </p:cNvPr>
@@ -17980,7 +18768,7 @@
                 <a16:creationId xmlns:a16="http://schemas.microsoft.com/office/drawing/2014/main" id="{8A7BA06D-B3FF-4E91-8639-B4569AE3AA23}"/>
               </a:ext>
               <a:ext uri="{C183D7F6-B498-43B3-948B-1728B52AA6E4}">
-                <adec:decorative xmlns:adec="http://schemas.microsoft.com/office/drawing/2017/decorative" val="1"/>
+                <adec:decorative xmlns:adec="http://schemas.microsoft.com/office/drawing/2017/decorative" xmlns="" val="1"/>
               </a:ext>
             </a:extLst>
           </p:cNvPr>
@@ -18102,7 +18890,7 @@
                 <a16:creationId xmlns:a16="http://schemas.microsoft.com/office/drawing/2014/main" id="{2B30C86D-5A07-48BC-9C9D-6F9A2DB1E9E1}"/>
               </a:ext>
               <a:ext uri="{C183D7F6-B498-43B3-948B-1728B52AA6E4}">
-                <adec:decorative xmlns:adec="http://schemas.microsoft.com/office/drawing/2017/decorative" val="1"/>
+                <adec:decorative xmlns:adec="http://schemas.microsoft.com/office/drawing/2017/decorative" xmlns="" val="1"/>
               </a:ext>
             </a:extLst>
           </p:cNvPr>
@@ -18192,7 +18980,7 @@
                 <a16:creationId xmlns:a16="http://schemas.microsoft.com/office/drawing/2014/main" id="{E749BC1B-F965-413C-AC21-CAEF06043ABA}"/>
               </a:ext>
               <a:ext uri="{C183D7F6-B498-43B3-948B-1728B52AA6E4}">
-                <adec:decorative xmlns:adec="http://schemas.microsoft.com/office/drawing/2017/decorative" val="1"/>
+                <adec:decorative xmlns:adec="http://schemas.microsoft.com/office/drawing/2017/decorative" xmlns="" val="1"/>
               </a:ext>
             </a:extLst>
           </p:cNvPr>
@@ -18327,7 +19115,7 @@
                 <a16:creationId xmlns:a16="http://schemas.microsoft.com/office/drawing/2014/main" id="{F35BC0E3-6FE4-4491-BA19-C0126066A51B}"/>
               </a:ext>
               <a:ext uri="{C183D7F6-B498-43B3-948B-1728B52AA6E4}">
-                <adec:decorative xmlns:adec="http://schemas.microsoft.com/office/drawing/2017/decorative" val="1"/>
+                <adec:decorative xmlns:adec="http://schemas.microsoft.com/office/drawing/2017/decorative" xmlns="" val="1"/>
               </a:ext>
             </a:extLst>
           </p:cNvPr>
@@ -18421,7 +19209,7 @@
                 <a16:creationId xmlns:a16="http://schemas.microsoft.com/office/drawing/2014/main" id="{DB11BD18-218F-49C7-BE16-82AEA08B237B}"/>
               </a:ext>
               <a:ext uri="{C183D7F6-B498-43B3-948B-1728B52AA6E4}">
-                <adec:decorative xmlns:adec="http://schemas.microsoft.com/office/drawing/2017/decorative" val="1"/>
+                <adec:decorative xmlns:adec="http://schemas.microsoft.com/office/drawing/2017/decorative" xmlns="" val="1"/>
               </a:ext>
             </a:extLst>
           </p:cNvPr>
@@ -18810,7 +19598,7 @@
                 <a16:creationId xmlns:a16="http://schemas.microsoft.com/office/drawing/2014/main" id="{A054EDF5-7644-4A95-AB88-057FAB414FEE}"/>
               </a:ext>
               <a:ext uri="{C183D7F6-B498-43B3-948B-1728B52AA6E4}">
-                <adec:decorative xmlns:adec="http://schemas.microsoft.com/office/drawing/2017/decorative" val="1"/>
+                <adec:decorative xmlns:adec="http://schemas.microsoft.com/office/drawing/2017/decorative" xmlns="" val="1"/>
               </a:ext>
             </a:extLst>
           </p:cNvPr>
@@ -18866,7 +19654,7 @@
                 <a16:creationId xmlns:a16="http://schemas.microsoft.com/office/drawing/2014/main" id="{EA996627-3E00-4A50-8640-F4F7D38C556C}"/>
               </a:ext>
               <a:ext uri="{C183D7F6-B498-43B3-948B-1728B52AA6E4}">
-                <adec:decorative xmlns:adec="http://schemas.microsoft.com/office/drawing/2017/decorative" val="1"/>
+                <adec:decorative xmlns:adec="http://schemas.microsoft.com/office/drawing/2017/decorative" xmlns="" val="1"/>
               </a:ext>
             </a:extLst>
           </p:cNvPr>
@@ -19089,7 +19877,7 @@
                 <a16:creationId xmlns:a16="http://schemas.microsoft.com/office/drawing/2014/main" id="{A619555D-3337-4F1A-9AFF-1DA3B921C57C}"/>
               </a:ext>
               <a:ext uri="{C183D7F6-B498-43B3-948B-1728B52AA6E4}">
-                <adec:decorative xmlns:adec="http://schemas.microsoft.com/office/drawing/2017/decorative" val="1"/>
+                <adec:decorative xmlns:adec="http://schemas.microsoft.com/office/drawing/2017/decorative" xmlns="" val="1"/>
               </a:ext>
             </a:extLst>
           </p:cNvPr>
@@ -19527,7 +20315,7 @@
                 <a16:creationId xmlns:a16="http://schemas.microsoft.com/office/drawing/2014/main" id="{CF5E7AE0-415D-4236-B5E6-F2FC68DB94EE}"/>
               </a:ext>
               <a:ext uri="{C183D7F6-B498-43B3-948B-1728B52AA6E4}">
-                <adec:decorative xmlns:adec="http://schemas.microsoft.com/office/drawing/2017/decorative" val="1"/>
+                <adec:decorative xmlns:adec="http://schemas.microsoft.com/office/drawing/2017/decorative" xmlns="" val="1"/>
               </a:ext>
             </a:extLst>
           </p:cNvPr>
@@ -19778,7 +20566,7 @@
                 <a16:creationId xmlns:a16="http://schemas.microsoft.com/office/drawing/2014/main" id="{8A7BA06D-B3FF-4E91-8639-B4569AE3AA23}"/>
               </a:ext>
               <a:ext uri="{C183D7F6-B498-43B3-948B-1728B52AA6E4}">
-                <adec:decorative xmlns:adec="http://schemas.microsoft.com/office/drawing/2017/decorative" val="1"/>
+                <adec:decorative xmlns:adec="http://schemas.microsoft.com/office/drawing/2017/decorative" xmlns="" val="1"/>
               </a:ext>
             </a:extLst>
           </p:cNvPr>
@@ -19900,7 +20688,7 @@
                 <a16:creationId xmlns:a16="http://schemas.microsoft.com/office/drawing/2014/main" id="{2B30C86D-5A07-48BC-9C9D-6F9A2DB1E9E1}"/>
               </a:ext>
               <a:ext uri="{C183D7F6-B498-43B3-948B-1728B52AA6E4}">
-                <adec:decorative xmlns:adec="http://schemas.microsoft.com/office/drawing/2017/decorative" val="1"/>
+                <adec:decorative xmlns:adec="http://schemas.microsoft.com/office/drawing/2017/decorative" xmlns="" val="1"/>
               </a:ext>
             </a:extLst>
           </p:cNvPr>
@@ -19990,7 +20778,7 @@
                 <a16:creationId xmlns:a16="http://schemas.microsoft.com/office/drawing/2014/main" id="{A1D7EC86-7CB9-431D-8AC3-8AAF0440B162}"/>
               </a:ext>
               <a:ext uri="{C183D7F6-B498-43B3-948B-1728B52AA6E4}">
-                <adec:decorative xmlns:adec="http://schemas.microsoft.com/office/drawing/2017/decorative" val="1"/>
+                <adec:decorative xmlns:adec="http://schemas.microsoft.com/office/drawing/2017/decorative" xmlns="" val="1"/>
               </a:ext>
             </a:extLst>
           </p:cNvPr>
@@ -20079,7 +20867,7 @@
                 <a16:creationId xmlns:a16="http://schemas.microsoft.com/office/drawing/2014/main" id="{D4B9777F-B610-419B-9193-80306388F3E2}"/>
               </a:ext>
               <a:ext uri="{C183D7F6-B498-43B3-948B-1728B52AA6E4}">
-                <adec:decorative xmlns:adec="http://schemas.microsoft.com/office/drawing/2017/decorative" val="1"/>
+                <adec:decorative xmlns:adec="http://schemas.microsoft.com/office/drawing/2017/decorative" xmlns="" val="1"/>
               </a:ext>
             </a:extLst>
           </p:cNvPr>
@@ -20168,7 +20956,7 @@
                 <a16:creationId xmlns:a16="http://schemas.microsoft.com/office/drawing/2014/main" id="{311F016A-A753-449B-9EA6-322199B7119E}"/>
               </a:ext>
               <a:ext uri="{C183D7F6-B498-43B3-948B-1728B52AA6E4}">
-                <adec:decorative xmlns:adec="http://schemas.microsoft.com/office/drawing/2017/decorative" val="1"/>
+                <adec:decorative xmlns:adec="http://schemas.microsoft.com/office/drawing/2017/decorative" xmlns="" val="1"/>
               </a:ext>
             </a:extLst>
           </p:cNvPr>
@@ -20420,7 +21208,7 @@
                 <a16:creationId xmlns:a16="http://schemas.microsoft.com/office/drawing/2014/main" id="{95106A28-883A-4993-BF9E-C403B81A8D66}"/>
               </a:ext>
               <a:ext uri="{C183D7F6-B498-43B3-948B-1728B52AA6E4}">
-                <adec:decorative xmlns:adec="http://schemas.microsoft.com/office/drawing/2017/decorative" val="1"/>
+                <adec:decorative xmlns:adec="http://schemas.microsoft.com/office/drawing/2017/decorative" xmlns="" val="1"/>
               </a:ext>
             </a:extLst>
           </p:cNvPr>
@@ -20513,7 +21301,7 @@
                 <a16:creationId xmlns:a16="http://schemas.microsoft.com/office/drawing/2014/main" id="{F5AE4E4F-9F4C-43ED-8299-9BD63B74E8F0}"/>
               </a:ext>
               <a:ext uri="{C183D7F6-B498-43B3-948B-1728B52AA6E4}">
-                <adec:decorative xmlns:adec="http://schemas.microsoft.com/office/drawing/2017/decorative" val="1"/>
+                <adec:decorative xmlns:adec="http://schemas.microsoft.com/office/drawing/2017/decorative" xmlns="" val="1"/>
               </a:ext>
             </a:extLst>
           </p:cNvPr>
@@ -20701,7 +21489,7 @@
                 <a16:creationId xmlns:a16="http://schemas.microsoft.com/office/drawing/2014/main" id="{8A7BA06D-B3FF-4E91-8639-B4569AE3AA23}"/>
               </a:ext>
               <a:ext uri="{C183D7F6-B498-43B3-948B-1728B52AA6E4}">
-                <adec:decorative xmlns:adec="http://schemas.microsoft.com/office/drawing/2017/decorative" val="1"/>
+                <adec:decorative xmlns:adec="http://schemas.microsoft.com/office/drawing/2017/decorative" xmlns="" val="1"/>
               </a:ext>
             </a:extLst>
           </p:cNvPr>
@@ -20823,7 +21611,7 @@
                 <a16:creationId xmlns:a16="http://schemas.microsoft.com/office/drawing/2014/main" id="{2B30C86D-5A07-48BC-9C9D-6F9A2DB1E9E1}"/>
               </a:ext>
               <a:ext uri="{C183D7F6-B498-43B3-948B-1728B52AA6E4}">
-                <adec:decorative xmlns:adec="http://schemas.microsoft.com/office/drawing/2017/decorative" val="1"/>
+                <adec:decorative xmlns:adec="http://schemas.microsoft.com/office/drawing/2017/decorative" xmlns="" val="1"/>
               </a:ext>
             </a:extLst>
           </p:cNvPr>
@@ -20913,7 +21701,7 @@
                 <a16:creationId xmlns:a16="http://schemas.microsoft.com/office/drawing/2014/main" id="{BCC81228-CEA3-402B-B8E5-688F5BFA7876}"/>
               </a:ext>
               <a:ext uri="{C183D7F6-B498-43B3-948B-1728B52AA6E4}">
-                <adec:decorative xmlns:adec="http://schemas.microsoft.com/office/drawing/2017/decorative" val="1"/>
+                <adec:decorative xmlns:adec="http://schemas.microsoft.com/office/drawing/2017/decorative" xmlns="" val="1"/>
               </a:ext>
             </a:extLst>
           </p:cNvPr>
@@ -21096,7 +21884,7 @@
                 <a16:creationId xmlns:a16="http://schemas.microsoft.com/office/drawing/2014/main" id="{BC0916B8-FF7A-4ECB-9FD7-C7668658D9B4}"/>
               </a:ext>
               <a:ext uri="{C183D7F6-B498-43B3-948B-1728B52AA6E4}">
-                <adec:decorative xmlns:adec="http://schemas.microsoft.com/office/drawing/2017/decorative" val="1"/>
+                <adec:decorative xmlns:adec="http://schemas.microsoft.com/office/drawing/2017/decorative" xmlns="" val="1"/>
               </a:ext>
             </a:extLst>
           </p:cNvPr>
@@ -21306,7 +22094,7 @@
                 <a16:creationId xmlns:a16="http://schemas.microsoft.com/office/drawing/2014/main" id="{9DC011D4-C95F-4B2E-9A3C-A46DCDE956DC}"/>
               </a:ext>
               <a:ext uri="{C183D7F6-B498-43B3-948B-1728B52AA6E4}">
-                <adec:decorative xmlns:adec="http://schemas.microsoft.com/office/drawing/2017/decorative" val="1"/>
+                <adec:decorative xmlns:adec="http://schemas.microsoft.com/office/drawing/2017/decorative" xmlns="" val="1"/>
               </a:ext>
             </a:extLst>
           </p:cNvPr>
@@ -21713,4 +22501,265 @@
     </a:ext>
   </a:extLst>
 </a:theme>
+</file>
+
+<file path=ppt/theme/theme2.xml><?xml version="1.0" encoding="utf-8"?>
+<a:theme xmlns:a="http://schemas.openxmlformats.org/drawingml/2006/main" name="Thème Office">
+  <a:themeElements>
+    <a:clrScheme name="Office">
+      <a:dk1>
+        <a:sysClr val="windowText" lastClr="000000"/>
+      </a:dk1>
+      <a:lt1>
+        <a:sysClr val="window" lastClr="FFFFFF"/>
+      </a:lt1>
+      <a:dk2>
+        <a:srgbClr val="44546A"/>
+      </a:dk2>
+      <a:lt2>
+        <a:srgbClr val="E7E6E6"/>
+      </a:lt2>
+      <a:accent1>
+        <a:srgbClr val="5B9BD5"/>
+      </a:accent1>
+      <a:accent2>
+        <a:srgbClr val="ED7D31"/>
+      </a:accent2>
+      <a:accent3>
+        <a:srgbClr val="A5A5A5"/>
+      </a:accent3>
+      <a:accent4>
+        <a:srgbClr val="FFC000"/>
+      </a:accent4>
+      <a:accent5>
+        <a:srgbClr val="4472C4"/>
+      </a:accent5>
+      <a:accent6>
+        <a:srgbClr val="70AD47"/>
+      </a:accent6>
+      <a:hlink>
+        <a:srgbClr val="0563C1"/>
+      </a:hlink>
+      <a:folHlink>
+        <a:srgbClr val="954F72"/>
+      </a:folHlink>
+    </a:clrScheme>
+    <a:fontScheme name="Office">
+      <a:majorFont>
+        <a:latin typeface="Calibri Light" panose="020F0302020204030204"/>
+        <a:ea typeface=""/>
+        <a:cs typeface=""/>
+        <a:font script="Jpan" typeface="游ゴシック Light"/>
+        <a:font script="Hang" typeface="맑은 고딕"/>
+        <a:font script="Hans" typeface="等线 Light"/>
+        <a:font script="Hant" typeface="新細明體"/>
+        <a:font script="Arab" typeface="Times New Roman"/>
+        <a:font script="Hebr" typeface="Times New Roman"/>
+        <a:font script="Thai" typeface="Angsana New"/>
+        <a:font script="Ethi" typeface="Nyala"/>
+        <a:font script="Beng" typeface="Vrinda"/>
+        <a:font script="Gujr" typeface="Shruti"/>
+        <a:font script="Khmr" typeface="MoolBoran"/>
+        <a:font script="Knda" typeface="Tunga"/>
+        <a:font script="Guru" typeface="Raavi"/>
+        <a:font script="Cans" typeface="Euphemia"/>
+        <a:font script="Cher" typeface="Plantagenet Cherokee"/>
+        <a:font script="Yiii" typeface="Microsoft Yi Baiti"/>
+        <a:font script="Tibt" typeface="Microsoft Himalaya"/>
+        <a:font script="Thaa" typeface="MV Boli"/>
+        <a:font script="Deva" typeface="Mangal"/>
+        <a:font script="Telu" typeface="Gautami"/>
+        <a:font script="Taml" typeface="Latha"/>
+        <a:font script="Syrc" typeface="Estrangelo Edessa"/>
+        <a:font script="Orya" typeface="Kalinga"/>
+        <a:font script="Mlym" typeface="Kartika"/>
+        <a:font script="Laoo" typeface="DokChampa"/>
+        <a:font script="Sinh" typeface="Iskoola Pota"/>
+        <a:font script="Mong" typeface="Mongolian Baiti"/>
+        <a:font script="Viet" typeface="Times New Roman"/>
+        <a:font script="Uigh" typeface="Microsoft Uighur"/>
+        <a:font script="Geor" typeface="Sylfaen"/>
+      </a:majorFont>
+      <a:minorFont>
+        <a:latin typeface="Calibri" panose="020F0502020204030204"/>
+        <a:ea typeface=""/>
+        <a:cs typeface=""/>
+        <a:font script="Jpan" typeface="游ゴシック"/>
+        <a:font script="Hang" typeface="맑은 고딕"/>
+        <a:font script="Hans" typeface="等线"/>
+        <a:font script="Hant" typeface="新細明體"/>
+        <a:font script="Arab" typeface="Arial"/>
+        <a:font script="Hebr" typeface="Arial"/>
+        <a:font script="Thai" typeface="Cordia New"/>
+        <a:font script="Ethi" typeface="Nyala"/>
+        <a:font script="Beng" typeface="Vrinda"/>
+        <a:font script="Gujr" typeface="Shruti"/>
+        <a:font script="Khmr" typeface="DaunPenh"/>
+        <a:font script="Knda" typeface="Tunga"/>
+        <a:font script="Guru" typeface="Raavi"/>
+        <a:font script="Cans" typeface="Euphemia"/>
+        <a:font script="Cher" typeface="Plantagenet Cherokee"/>
+        <a:font script="Yiii" typeface="Microsoft Yi Baiti"/>
+        <a:font script="Tibt" typeface="Microsoft Himalaya"/>
+        <a:font script="Thaa" typeface="MV Boli"/>
+        <a:font script="Deva" typeface="Mangal"/>
+        <a:font script="Telu" typeface="Gautami"/>
+        <a:font script="Taml" typeface="Latha"/>
+        <a:font script="Syrc" typeface="Estrangelo Edessa"/>
+        <a:font script="Orya" typeface="Kalinga"/>
+        <a:font script="Mlym" typeface="Kartika"/>
+        <a:font script="Laoo" typeface="DokChampa"/>
+        <a:font script="Sinh" typeface="Iskoola Pota"/>
+        <a:font script="Mong" typeface="Mongolian Baiti"/>
+        <a:font script="Viet" typeface="Arial"/>
+        <a:font script="Uigh" typeface="Microsoft Uighur"/>
+        <a:font script="Geor" typeface="Sylfaen"/>
+      </a:minorFont>
+    </a:fontScheme>
+    <a:fmtScheme name="Office">
+      <a:fillStyleLst>
+        <a:solidFill>
+          <a:schemeClr val="phClr"/>
+        </a:solidFill>
+        <a:gradFill rotWithShape="1">
+          <a:gsLst>
+            <a:gs pos="0">
+              <a:schemeClr val="phClr">
+                <a:lumMod val="110000"/>
+                <a:satMod val="105000"/>
+                <a:tint val="67000"/>
+              </a:schemeClr>
+            </a:gs>
+            <a:gs pos="50000">
+              <a:schemeClr val="phClr">
+                <a:lumMod val="105000"/>
+                <a:satMod val="103000"/>
+                <a:tint val="73000"/>
+              </a:schemeClr>
+            </a:gs>
+            <a:gs pos="100000">
+              <a:schemeClr val="phClr">
+                <a:lumMod val="105000"/>
+                <a:satMod val="109000"/>
+                <a:tint val="81000"/>
+              </a:schemeClr>
+            </a:gs>
+          </a:gsLst>
+          <a:lin ang="5400000" scaled="0"/>
+        </a:gradFill>
+        <a:gradFill rotWithShape="1">
+          <a:gsLst>
+            <a:gs pos="0">
+              <a:schemeClr val="phClr">
+                <a:satMod val="103000"/>
+                <a:lumMod val="102000"/>
+                <a:tint val="94000"/>
+              </a:schemeClr>
+            </a:gs>
+            <a:gs pos="50000">
+              <a:schemeClr val="phClr">
+                <a:satMod val="110000"/>
+                <a:lumMod val="100000"/>
+                <a:shade val="100000"/>
+              </a:schemeClr>
+            </a:gs>
+            <a:gs pos="100000">
+              <a:schemeClr val="phClr">
+                <a:lumMod val="99000"/>
+                <a:satMod val="120000"/>
+                <a:shade val="78000"/>
+              </a:schemeClr>
+            </a:gs>
+          </a:gsLst>
+          <a:lin ang="5400000" scaled="0"/>
+        </a:gradFill>
+      </a:fillStyleLst>
+      <a:lnStyleLst>
+        <a:ln w="6350" cap="flat" cmpd="sng" algn="ctr">
+          <a:solidFill>
+            <a:schemeClr val="phClr"/>
+          </a:solidFill>
+          <a:prstDash val="solid"/>
+          <a:miter lim="800000"/>
+        </a:ln>
+        <a:ln w="12700" cap="flat" cmpd="sng" algn="ctr">
+          <a:solidFill>
+            <a:schemeClr val="phClr"/>
+          </a:solidFill>
+          <a:prstDash val="solid"/>
+          <a:miter lim="800000"/>
+        </a:ln>
+        <a:ln w="19050" cap="flat" cmpd="sng" algn="ctr">
+          <a:solidFill>
+            <a:schemeClr val="phClr"/>
+          </a:solidFill>
+          <a:prstDash val="solid"/>
+          <a:miter lim="800000"/>
+        </a:ln>
+      </a:lnStyleLst>
+      <a:effectStyleLst>
+        <a:effectStyle>
+          <a:effectLst/>
+        </a:effectStyle>
+        <a:effectStyle>
+          <a:effectLst/>
+        </a:effectStyle>
+        <a:effectStyle>
+          <a:effectLst>
+            <a:outerShdw blurRad="57150" dist="19050" dir="5400000" algn="ctr" rotWithShape="0">
+              <a:srgbClr val="000000">
+                <a:alpha val="63000"/>
+              </a:srgbClr>
+            </a:outerShdw>
+          </a:effectLst>
+        </a:effectStyle>
+      </a:effectStyleLst>
+      <a:bgFillStyleLst>
+        <a:solidFill>
+          <a:schemeClr val="phClr"/>
+        </a:solidFill>
+        <a:solidFill>
+          <a:schemeClr val="phClr">
+            <a:tint val="95000"/>
+            <a:satMod val="170000"/>
+          </a:schemeClr>
+        </a:solidFill>
+        <a:gradFill rotWithShape="1">
+          <a:gsLst>
+            <a:gs pos="0">
+              <a:schemeClr val="phClr">
+                <a:tint val="93000"/>
+                <a:satMod val="150000"/>
+                <a:shade val="98000"/>
+                <a:lumMod val="102000"/>
+              </a:schemeClr>
+            </a:gs>
+            <a:gs pos="50000">
+              <a:schemeClr val="phClr">
+                <a:tint val="98000"/>
+                <a:satMod val="130000"/>
+                <a:shade val="90000"/>
+                <a:lumMod val="103000"/>
+              </a:schemeClr>
+            </a:gs>
+            <a:gs pos="100000">
+              <a:schemeClr val="phClr">
+                <a:shade val="63000"/>
+                <a:satMod val="120000"/>
+              </a:schemeClr>
+            </a:gs>
+          </a:gsLst>
+          <a:lin ang="5400000" scaled="0"/>
+        </a:gradFill>
+      </a:bgFillStyleLst>
+    </a:fmtScheme>
+  </a:themeElements>
+  <a:objectDefaults/>
+  <a:extraClrSchemeLst/>
+  <a:extLst>
+    <a:ext uri="{05A4C25C-085E-4340-85A3-A5531E510DB2}">
+      <thm15:themeFamily xmlns:thm15="http://schemas.microsoft.com/office/thememl/2012/main" name="Office Theme" id="{62F939B6-93AF-4DB8-9C6B-D6C7DFDC589F}" vid="{4A3C46E8-61CC-4603-A589-7422A47A8E4A}"/>
+    </a:ext>
+  </a:extLst>
+</a:theme>
 </file>